--- a/project/pbs_project/presentation2.pptx
+++ b/project/pbs_project/presentation2.pptx
@@ -13,10 +13,10 @@
     <p:sldMasterId id="2147483849" r:id="rId9"/>
   </p:sldMasterIdLst>
   <p:notesMasterIdLst>
-    <p:notesMasterId r:id="rId17"/>
+    <p:notesMasterId r:id="rId18"/>
   </p:notesMasterIdLst>
   <p:handoutMasterIdLst>
-    <p:handoutMasterId r:id="rId18"/>
+    <p:handoutMasterId r:id="rId19"/>
   </p:handoutMasterIdLst>
   <p:sldIdLst>
     <p:sldId id="268" r:id="rId10"/>
@@ -24,8 +24,9 @@
     <p:sldId id="274" r:id="rId12"/>
     <p:sldId id="276" r:id="rId13"/>
     <p:sldId id="278" r:id="rId14"/>
-    <p:sldId id="275" r:id="rId15"/>
-    <p:sldId id="277" r:id="rId16"/>
+    <p:sldId id="279" r:id="rId15"/>
+    <p:sldId id="275" r:id="rId16"/>
+    <p:sldId id="277" r:id="rId17"/>
   </p:sldIdLst>
   <p:sldSz cx="12187238" cy="6858000"/>
   <p:notesSz cx="7099300" cy="10234613"/>
@@ -194,6 +195,9 @@
         </p15:guide>
       </p15:sldGuideLst>
     </p:ext>
+    <p:ext uri="{2D200454-40CA-4A62-9FC3-DE9A4176ACB9}">
+      <p15:notesGuideLst xmlns:p15="http://schemas.microsoft.com/office/powerpoint/2012/main"/>
+    </p:ext>
   </p:extLst>
 </p:presentation>
 </file>
@@ -284,7 +288,7 @@
               <a:rPr lang="de-DE" smtClean="0">
                 <a:latin typeface="Arial" panose="020B0604020202020204" pitchFamily="34" charset="0"/>
               </a:rPr>
-              <a:t>29.11.2016</a:t>
+              <a:t>30.11.2016</a:t>
             </a:fld>
             <a:endParaRPr lang="de-DE" dirty="0">
               <a:latin typeface="Arial" panose="020B0604020202020204" pitchFamily="34" charset="0"/>
@@ -463,7 +467,7 @@
             <a:fld id="{BCDB334D-D17F-49C4-91DD-37BB7E818209}" type="datetimeFigureOut">
               <a:rPr lang="de-CH" smtClean="0"/>
               <a:pPr/>
-              <a:t>29.11.2016</a:t>
+              <a:t>30.11.2016</a:t>
             </a:fld>
             <a:endParaRPr lang="de-CH" dirty="0"/>
           </a:p>
@@ -1555,7 +1559,7 @@
     </p:spTree>
     <p:extLst>
       <p:ext uri="{BB962C8B-B14F-4D97-AF65-F5344CB8AC3E}">
-        <p14:creationId xmlns:p14="http://schemas.microsoft.com/office/powerpoint/2010/main" val="2759227322"/>
+        <p14:creationId xmlns:p14="http://schemas.microsoft.com/office/powerpoint/2010/main" val="2720864283"/>
       </p:ext>
     </p:extLst>
   </p:cSld>
@@ -1823,6 +1827,282 @@
               <a:rPr lang="de-CH" smtClean="0"/>
               <a:pPr/>
               <a:t>7</a:t>
+            </a:fld>
+            <a:endParaRPr lang="de-CH" dirty="0"/>
+          </a:p>
+        </p:txBody>
+      </p:sp>
+    </p:spTree>
+    <p:extLst>
+      <p:ext uri="{BB962C8B-B14F-4D97-AF65-F5344CB8AC3E}">
+        <p14:creationId xmlns:p14="http://schemas.microsoft.com/office/powerpoint/2010/main" val="2759227322"/>
+      </p:ext>
+    </p:extLst>
+  </p:cSld>
+  <p:clrMapOvr>
+    <a:masterClrMapping/>
+  </p:clrMapOvr>
+</p:notes>
+</file>
+
+<file path=ppt/notesSlides/notesSlide5.xml><?xml version="1.0" encoding="utf-8"?>
+<p:notes xmlns:a="http://schemas.openxmlformats.org/drawingml/2006/main" xmlns:r="http://schemas.openxmlformats.org/officeDocument/2006/relationships" xmlns:p="http://schemas.openxmlformats.org/presentationml/2006/main">
+  <p:cSld>
+    <p:spTree>
+      <p:nvGrpSpPr>
+        <p:cNvPr id="1" name=""/>
+        <p:cNvGrpSpPr/>
+        <p:nvPr/>
+      </p:nvGrpSpPr>
+      <p:grpSpPr>
+        <a:xfrm>
+          <a:off x="0" y="0"/>
+          <a:ext cx="0" cy="0"/>
+          <a:chOff x="0" y="0"/>
+          <a:chExt cx="0" cy="0"/>
+        </a:xfrm>
+      </p:grpSpPr>
+      <p:sp>
+        <p:nvSpPr>
+          <p:cNvPr id="2" name="Folienbildplatzhalter 1"/>
+          <p:cNvSpPr>
+            <a:spLocks noGrp="1" noRot="1" noChangeAspect="1"/>
+          </p:cNvSpPr>
+          <p:nvPr>
+            <p:ph type="sldImg"/>
+          </p:nvPr>
+        </p:nvSpPr>
+        <p:spPr/>
+      </p:sp>
+      <p:sp>
+        <p:nvSpPr>
+          <p:cNvPr id="3" name="Notizenplatzhalter 2"/>
+          <p:cNvSpPr>
+            <a:spLocks noGrp="1"/>
+          </p:cNvSpPr>
+          <p:nvPr>
+            <p:ph type="body" idx="1"/>
+          </p:nvPr>
+        </p:nvSpPr>
+        <p:spPr/>
+        <p:txBody>
+          <a:bodyPr/>
+          <a:lstStyle/>
+          <a:p>
+            <a:r>
+              <a:rPr lang="de-CH" sz="1200" kern="1200" dirty="0">
+                <a:solidFill>
+                  <a:schemeClr val="tx1"/>
+                </a:solidFill>
+                <a:latin typeface="Arial" panose="020B0604020202020204" pitchFamily="34" charset="0"/>
+                <a:ea typeface="+mn-ea"/>
+                <a:cs typeface="+mn-cs"/>
+              </a:rPr>
+              <a:t>Iterative Dynamics </a:t>
+            </a:r>
+            <a:r>
+              <a:rPr lang="de-CH" sz="1200" kern="1200" dirty="0" err="1">
+                <a:solidFill>
+                  <a:schemeClr val="tx1"/>
+                </a:solidFill>
+                <a:latin typeface="Arial" panose="020B0604020202020204" pitchFamily="34" charset="0"/>
+                <a:ea typeface="+mn-ea"/>
+                <a:cs typeface="+mn-cs"/>
+              </a:rPr>
+              <a:t>with</a:t>
+            </a:r>
+            <a:r>
+              <a:rPr lang="de-CH" sz="1200" kern="1200" dirty="0">
+                <a:solidFill>
+                  <a:schemeClr val="tx1"/>
+                </a:solidFill>
+                <a:latin typeface="Arial" panose="020B0604020202020204" pitchFamily="34" charset="0"/>
+                <a:ea typeface="+mn-ea"/>
+                <a:cs typeface="+mn-cs"/>
+              </a:rPr>
+              <a:t> Temporal </a:t>
+            </a:r>
+            <a:r>
+              <a:rPr lang="de-CH" sz="1200" kern="1200" dirty="0" err="1">
+                <a:solidFill>
+                  <a:schemeClr val="tx1"/>
+                </a:solidFill>
+                <a:latin typeface="Arial" panose="020B0604020202020204" pitchFamily="34" charset="0"/>
+                <a:ea typeface="+mn-ea"/>
+                <a:cs typeface="+mn-cs"/>
+              </a:rPr>
+              <a:t>Coherence</a:t>
+            </a:r>
+            <a:endParaRPr lang="de-CH" sz="1200" kern="1200" dirty="0">
+              <a:solidFill>
+                <a:schemeClr val="tx1"/>
+              </a:solidFill>
+              <a:latin typeface="Arial" panose="020B0604020202020204" pitchFamily="34" charset="0"/>
+              <a:ea typeface="+mn-ea"/>
+              <a:cs typeface="+mn-cs"/>
+            </a:endParaRPr>
+          </a:p>
+          <a:p>
+            <a:r>
+              <a:rPr lang="de-CH" sz="1200" kern="1200" dirty="0">
+                <a:solidFill>
+                  <a:schemeClr val="tx1"/>
+                </a:solidFill>
+                <a:latin typeface="Arial" panose="020B0604020202020204" pitchFamily="34" charset="0"/>
+                <a:ea typeface="+mn-ea"/>
+                <a:cs typeface="+mn-cs"/>
+              </a:rPr>
+              <a:t>Erin </a:t>
+            </a:r>
+            <a:r>
+              <a:rPr lang="de-CH" sz="1200" kern="1200" dirty="0" err="1">
+                <a:solidFill>
+                  <a:schemeClr val="tx1"/>
+                </a:solidFill>
+                <a:latin typeface="Arial" panose="020B0604020202020204" pitchFamily="34" charset="0"/>
+                <a:ea typeface="+mn-ea"/>
+                <a:cs typeface="+mn-cs"/>
+              </a:rPr>
+              <a:t>Catto</a:t>
+            </a:r>
+            <a:endParaRPr lang="de-CH" sz="1200" kern="1200" dirty="0">
+              <a:solidFill>
+                <a:schemeClr val="tx1"/>
+              </a:solidFill>
+              <a:latin typeface="Arial" panose="020B0604020202020204" pitchFamily="34" charset="0"/>
+              <a:ea typeface="+mn-ea"/>
+              <a:cs typeface="+mn-cs"/>
+            </a:endParaRPr>
+          </a:p>
+          <a:p>
+            <a:r>
+              <a:rPr lang="de-CH" sz="1200" kern="1200" dirty="0">
+                <a:solidFill>
+                  <a:schemeClr val="tx1"/>
+                </a:solidFill>
+                <a:latin typeface="Arial" panose="020B0604020202020204" pitchFamily="34" charset="0"/>
+                <a:ea typeface="+mn-ea"/>
+                <a:cs typeface="+mn-cs"/>
+              </a:rPr>
+              <a:t>Crystal Dynamics</a:t>
+            </a:r>
+          </a:p>
+          <a:p>
+            <a:r>
+              <a:rPr lang="de-CH" sz="1200" kern="1200" dirty="0">
+                <a:solidFill>
+                  <a:schemeClr val="tx1"/>
+                </a:solidFill>
+                <a:latin typeface="Arial" panose="020B0604020202020204" pitchFamily="34" charset="0"/>
+                <a:ea typeface="+mn-ea"/>
+                <a:cs typeface="+mn-cs"/>
+              </a:rPr>
+              <a:t>Menlo Park, California</a:t>
+            </a:r>
+          </a:p>
+          <a:p>
+            <a:r>
+              <a:rPr lang="de-CH" sz="1200" kern="1200" dirty="0" err="1">
+                <a:solidFill>
+                  <a:schemeClr val="tx1"/>
+                </a:solidFill>
+                <a:latin typeface="Arial" panose="020B0604020202020204" pitchFamily="34" charset="0"/>
+                <a:ea typeface="+mn-ea"/>
+                <a:cs typeface="+mn-cs"/>
+              </a:rPr>
+              <a:t>February</a:t>
+            </a:r>
+            <a:r>
+              <a:rPr lang="de-CH" sz="1200" kern="1200" dirty="0">
+                <a:solidFill>
+                  <a:schemeClr val="tx1"/>
+                </a:solidFill>
+                <a:latin typeface="Arial" panose="020B0604020202020204" pitchFamily="34" charset="0"/>
+                <a:ea typeface="+mn-ea"/>
+                <a:cs typeface="+mn-cs"/>
+              </a:rPr>
+              <a:t> 22, 2005</a:t>
+            </a:r>
+          </a:p>
+          <a:p>
+            <a:endParaRPr lang="de-CH" dirty="0"/>
+          </a:p>
+          <a:p>
+            <a:r>
+              <a:rPr lang="de-CH" dirty="0" err="1"/>
+              <a:t>Describe</a:t>
+            </a:r>
+            <a:r>
+              <a:rPr lang="de-CH" dirty="0"/>
+              <a:t> </a:t>
+            </a:r>
+            <a:r>
+              <a:rPr lang="de-CH" dirty="0" err="1"/>
+              <a:t>constraint</a:t>
+            </a:r>
+            <a:endParaRPr lang="de-CH" dirty="0"/>
+          </a:p>
+          <a:p>
+            <a:r>
+              <a:rPr lang="de-CH" dirty="0" err="1"/>
+              <a:t>Calculate</a:t>
+            </a:r>
+            <a:r>
+              <a:rPr lang="de-CH" baseline="0" dirty="0"/>
+              <a:t> derivative </a:t>
+            </a:r>
+          </a:p>
+          <a:p>
+            <a:r>
+              <a:rPr lang="de-CH" baseline="0" dirty="0"/>
+              <a:t>Separate </a:t>
+            </a:r>
+            <a:r>
+              <a:rPr lang="de-CH" baseline="0" dirty="0" err="1"/>
+              <a:t>velocities</a:t>
+            </a:r>
+            <a:r>
+              <a:rPr lang="de-CH" baseline="0" dirty="0"/>
+              <a:t>-&gt;</a:t>
+            </a:r>
+            <a:r>
+              <a:rPr lang="de-CH" baseline="0" dirty="0" err="1"/>
+              <a:t>get</a:t>
+            </a:r>
+            <a:r>
+              <a:rPr lang="de-CH" baseline="0" dirty="0"/>
+              <a:t> </a:t>
+            </a:r>
+            <a:r>
+              <a:rPr lang="de-CH" baseline="0" dirty="0" err="1"/>
+              <a:t>jacobian</a:t>
+            </a:r>
+            <a:endParaRPr lang="de-CH" baseline="0" dirty="0"/>
+          </a:p>
+          <a:p>
+            <a:endParaRPr lang="en-GB" dirty="0"/>
+          </a:p>
+        </p:txBody>
+      </p:sp>
+      <p:sp>
+        <p:nvSpPr>
+          <p:cNvPr id="4" name="Foliennummernplatzhalter 3"/>
+          <p:cNvSpPr>
+            <a:spLocks noGrp="1"/>
+          </p:cNvSpPr>
+          <p:nvPr>
+            <p:ph type="sldNum" sz="quarter" idx="10"/>
+          </p:nvPr>
+        </p:nvSpPr>
+        <p:spPr/>
+        <p:txBody>
+          <a:bodyPr/>
+          <a:lstStyle/>
+          <a:p>
+            <a:fld id="{A51C0C35-A9A2-4EFD-9BAF-1E52E29E03D1}" type="slidenum">
+              <a:rPr lang="de-CH" smtClean="0"/>
+              <a:pPr/>
+              <a:t>8</a:t>
             </a:fld>
             <a:endParaRPr lang="de-CH" dirty="0"/>
           </a:p>
@@ -1997,7 +2277,7 @@
           <a:p>
             <a:fld id="{64450B89-3DC9-4136-8294-9FA5BF24EBE4}" type="datetime1">
               <a:rPr lang="de-DE" smtClean="0"/>
-              <a:t>29.11.2016</a:t>
+              <a:t>30.11.2016</a:t>
             </a:fld>
             <a:endParaRPr lang="en-GB" dirty="0"/>
           </a:p>
@@ -2300,7 +2580,7 @@
           <a:p>
             <a:fld id="{B9C4B0DA-4966-4916-86AB-DCDD0174DEAE}" type="datetime1">
               <a:rPr lang="de-DE" smtClean="0"/>
-              <a:t>29.11.2016</a:t>
+              <a:t>30.11.2016</a:t>
             </a:fld>
             <a:endParaRPr lang="en-GB" dirty="0"/>
           </a:p>
@@ -2638,7 +2918,7 @@
           <a:p>
             <a:fld id="{F0C2576C-E3E6-45A3-934C-2F5FB9372D4E}" type="datetime1">
               <a:rPr lang="de-DE" smtClean="0"/>
-              <a:t>29.11.2016</a:t>
+              <a:t>30.11.2016</a:t>
             </a:fld>
             <a:endParaRPr lang="en-GB" dirty="0"/>
           </a:p>
@@ -2937,7 +3217,7 @@
           <a:p>
             <a:fld id="{7C6EE811-C903-4780-A432-159C16115E47}" type="datetime1">
               <a:rPr lang="de-DE" smtClean="0"/>
-              <a:t>29.11.2016</a:t>
+              <a:t>30.11.2016</a:t>
             </a:fld>
             <a:endParaRPr lang="en-GB" dirty="0"/>
           </a:p>
@@ -4209,7 +4489,7 @@
           <a:p>
             <a:fld id="{3773EAB4-A8DD-4D0C-B1E5-D1D5B737E052}" type="datetime1">
               <a:rPr lang="de-DE" smtClean="0"/>
-              <a:t>29.11.2016</a:t>
+              <a:t>30.11.2016</a:t>
             </a:fld>
             <a:endParaRPr lang="en-GB" dirty="0"/>
           </a:p>
@@ -4619,7 +4899,7 @@
           <a:p>
             <a:fld id="{0C3AB420-8592-49D9-A711-7B56C9848CC1}" type="datetime1">
               <a:rPr lang="de-DE" smtClean="0"/>
-              <a:t>29.11.2016</a:t>
+              <a:t>30.11.2016</a:t>
             </a:fld>
             <a:endParaRPr lang="en-GB" dirty="0"/>
           </a:p>
@@ -4755,7 +5035,7 @@
           <a:p>
             <a:fld id="{549C0C62-97F3-40AF-AA03-3B75ADB419CD}" type="datetime1">
               <a:rPr lang="de-DE" smtClean="0"/>
-              <a:t>29.11.2016</a:t>
+              <a:t>30.11.2016</a:t>
             </a:fld>
             <a:endParaRPr lang="en-GB" dirty="0"/>
           </a:p>
@@ -4888,7 +5168,7 @@
           <a:p>
             <a:fld id="{948B088E-7385-4380-9638-71B64C253D7C}" type="datetime1">
               <a:rPr lang="de-DE" smtClean="0"/>
-              <a:t>29.11.2016</a:t>
+              <a:t>30.11.2016</a:t>
             </a:fld>
             <a:endParaRPr lang="en-GB" dirty="0"/>
           </a:p>
@@ -5069,7 +5349,7 @@
           <a:p>
             <a:fld id="{273B1EB9-DD6B-40BE-A18B-A30ABBCF30B5}" type="datetime1">
               <a:rPr lang="de-DE" smtClean="0"/>
-              <a:t>29.11.2016</a:t>
+              <a:t>30.11.2016</a:t>
             </a:fld>
             <a:endParaRPr lang="en-GB" dirty="0"/>
           </a:p>
@@ -5323,7 +5603,7 @@
           <a:p>
             <a:fld id="{4FF6D882-4EA1-41CC-A07E-9D840B3BE570}" type="datetime1">
               <a:rPr lang="de-DE" smtClean="0"/>
-              <a:t>29.11.2016</a:t>
+              <a:t>30.11.2016</a:t>
             </a:fld>
             <a:endParaRPr lang="en-GB" dirty="0"/>
           </a:p>
@@ -5661,7 +5941,7 @@
           <a:p>
             <a:fld id="{3ED07954-E86E-47E1-AD96-DB022443BE0A}" type="datetime1">
               <a:rPr lang="de-DE" smtClean="0"/>
-              <a:t>29.11.2016</a:t>
+              <a:t>30.11.2016</a:t>
             </a:fld>
             <a:endParaRPr lang="en-GB" dirty="0"/>
           </a:p>
@@ -5964,7 +6244,7 @@
           <a:p>
             <a:fld id="{ADE1180A-3E5D-4DFF-9A57-DB85CC2B20B3}" type="datetime1">
               <a:rPr lang="de-DE" smtClean="0"/>
-              <a:t>29.11.2016</a:t>
+              <a:t>30.11.2016</a:t>
             </a:fld>
             <a:endParaRPr lang="en-GB" dirty="0"/>
           </a:p>
@@ -6263,7 +6543,7 @@
           <a:p>
             <a:fld id="{82F46FCE-4C06-4992-8832-C17E0F346726}" type="datetime1">
               <a:rPr lang="de-DE" smtClean="0"/>
-              <a:t>29.11.2016</a:t>
+              <a:t>30.11.2016</a:t>
             </a:fld>
             <a:endParaRPr lang="en-GB" dirty="0"/>
           </a:p>
@@ -7535,7 +7815,7 @@
           <a:p>
             <a:fld id="{64F16F04-99C2-4BA7-BAD9-C6ED80CA0F59}" type="datetime1">
               <a:rPr lang="de-DE" smtClean="0"/>
-              <a:t>29.11.2016</a:t>
+              <a:t>30.11.2016</a:t>
             </a:fld>
             <a:endParaRPr lang="en-GB" dirty="0"/>
           </a:p>
@@ -7945,7 +8225,7 @@
           <a:p>
             <a:fld id="{80027FA7-50F2-468B-A19D-2D746E39F9A8}" type="datetime1">
               <a:rPr lang="de-DE" smtClean="0"/>
-              <a:t>29.11.2016</a:t>
+              <a:t>30.11.2016</a:t>
             </a:fld>
             <a:endParaRPr lang="en-GB" dirty="0"/>
           </a:p>
@@ -8081,7 +8361,7 @@
           <a:p>
             <a:fld id="{BDFE5677-8370-4DF6-A2D2-94000514129D}" type="datetime1">
               <a:rPr lang="de-DE" smtClean="0"/>
-              <a:t>29.11.2016</a:t>
+              <a:t>30.11.2016</a:t>
             </a:fld>
             <a:endParaRPr lang="en-GB" dirty="0"/>
           </a:p>
@@ -8214,7 +8494,7 @@
           <a:p>
             <a:fld id="{571B7139-3645-4653-9747-5A68C8B550E9}" type="datetime1">
               <a:rPr lang="de-DE" smtClean="0"/>
-              <a:t>29.11.2016</a:t>
+              <a:t>30.11.2016</a:t>
             </a:fld>
             <a:endParaRPr lang="en-GB" dirty="0"/>
           </a:p>
@@ -8395,7 +8675,7 @@
           <a:p>
             <a:fld id="{11684F0C-77D5-4791-89C7-CE23B1F6B783}" type="datetime1">
               <a:rPr lang="de-DE" smtClean="0"/>
-              <a:t>29.11.2016</a:t>
+              <a:t>30.11.2016</a:t>
             </a:fld>
             <a:endParaRPr lang="en-GB" dirty="0"/>
           </a:p>
@@ -8649,7 +8929,7 @@
           <a:p>
             <a:fld id="{5BF673D7-207A-4B15-9A5A-A85C199A5D68}" type="datetime1">
               <a:rPr lang="de-DE" smtClean="0"/>
-              <a:t>29.11.2016</a:t>
+              <a:t>30.11.2016</a:t>
             </a:fld>
             <a:endParaRPr lang="en-GB" dirty="0"/>
           </a:p>
@@ -8987,7 +9267,7 @@
           <a:p>
             <a:fld id="{5AD23E72-3C74-48A2-833F-989D40650A42}" type="datetime1">
               <a:rPr lang="de-DE" smtClean="0"/>
-              <a:t>29.11.2016</a:t>
+              <a:t>30.11.2016</a:t>
             </a:fld>
             <a:endParaRPr lang="en-GB" dirty="0"/>
           </a:p>
@@ -9286,7 +9566,7 @@
           <a:p>
             <a:fld id="{104512BF-CD54-4E86-8A40-8A975B8DDF95}" type="datetime1">
               <a:rPr lang="de-DE" smtClean="0"/>
-              <a:t>29.11.2016</a:t>
+              <a:t>30.11.2016</a:t>
             </a:fld>
             <a:endParaRPr lang="en-GB" dirty="0"/>
           </a:p>
@@ -9590,7 +9870,7 @@
           <a:p>
             <a:fld id="{8D9A9EC0-D5FA-49F9-9AA8-59F4F036BC21}" type="datetime1">
               <a:rPr lang="de-DE" smtClean="0"/>
-              <a:t>29.11.2016</a:t>
+              <a:t>30.11.2016</a:t>
             </a:fld>
             <a:endParaRPr lang="en-GB" dirty="0"/>
           </a:p>
@@ -10862,7 +11142,7 @@
           <a:p>
             <a:fld id="{C7C69DF4-6CB0-40F6-AB1B-8E567EB56FBC}" type="datetime1">
               <a:rPr lang="de-DE" smtClean="0"/>
-              <a:t>29.11.2016</a:t>
+              <a:t>30.11.2016</a:t>
             </a:fld>
             <a:endParaRPr lang="en-GB" dirty="0"/>
           </a:p>
@@ -11272,7 +11552,7 @@
           <a:p>
             <a:fld id="{71A78E56-A850-4E8E-9B58-D1A79E731B10}" type="datetime1">
               <a:rPr lang="de-DE" smtClean="0"/>
-              <a:t>29.11.2016</a:t>
+              <a:t>30.11.2016</a:t>
             </a:fld>
             <a:endParaRPr lang="en-GB" dirty="0"/>
           </a:p>
@@ -11408,7 +11688,7 @@
           <a:p>
             <a:fld id="{56E51754-CC55-435F-AEA2-E97C196BE0A9}" type="datetime1">
               <a:rPr lang="de-DE" smtClean="0"/>
-              <a:t>29.11.2016</a:t>
+              <a:t>30.11.2016</a:t>
             </a:fld>
             <a:endParaRPr lang="en-GB" dirty="0"/>
           </a:p>
@@ -11541,7 +11821,7 @@
           <a:p>
             <a:fld id="{36939C16-488C-4322-90BE-002074947F96}" type="datetime1">
               <a:rPr lang="de-DE" smtClean="0"/>
-              <a:t>29.11.2016</a:t>
+              <a:t>30.11.2016</a:t>
             </a:fld>
             <a:endParaRPr lang="en-GB" dirty="0"/>
           </a:p>
@@ -11722,7 +12002,7 @@
           <a:p>
             <a:fld id="{166BB050-84A0-4552-98D9-A7AB3378924E}" type="datetime1">
               <a:rPr lang="de-DE" smtClean="0"/>
-              <a:t>29.11.2016</a:t>
+              <a:t>30.11.2016</a:t>
             </a:fld>
             <a:endParaRPr lang="en-GB" dirty="0"/>
           </a:p>
@@ -11976,7 +12256,7 @@
           <a:p>
             <a:fld id="{7357C94E-2279-4852-8644-B08E6BDBC3A9}" type="datetime1">
               <a:rPr lang="de-DE" smtClean="0"/>
-              <a:t>29.11.2016</a:t>
+              <a:t>30.11.2016</a:t>
             </a:fld>
             <a:endParaRPr lang="en-GB" dirty="0"/>
           </a:p>
@@ -12314,7 +12594,7 @@
           <a:p>
             <a:fld id="{F5571116-AE58-4CA6-8D9B-076B48B539B4}" type="datetime1">
               <a:rPr lang="de-DE" smtClean="0"/>
-              <a:t>29.11.2016</a:t>
+              <a:t>30.11.2016</a:t>
             </a:fld>
             <a:endParaRPr lang="en-GB" dirty="0"/>
           </a:p>
@@ -12613,7 +12893,7 @@
           <a:p>
             <a:fld id="{16923A91-49C0-4591-A0B4-60F04E64782E}" type="datetime1">
               <a:rPr lang="de-DE" smtClean="0"/>
-              <a:t>29.11.2016</a:t>
+              <a:t>30.11.2016</a:t>
             </a:fld>
             <a:endParaRPr lang="en-GB" dirty="0"/>
           </a:p>
@@ -14912,7 +15192,7 @@
           <a:p>
             <a:fld id="{4F8CEC79-B5BC-4BB6-81CD-C57CF85D71AA}" type="datetime1">
               <a:rPr lang="de-DE" smtClean="0"/>
-              <a:t>29.11.2016</a:t>
+              <a:t>30.11.2016</a:t>
             </a:fld>
             <a:endParaRPr lang="en-GB" dirty="0"/>
           </a:p>
@@ -15322,7 +15602,7 @@
           <a:p>
             <a:fld id="{48D77062-CCE7-4074-AA12-6C1D4019A24E}" type="datetime1">
               <a:rPr lang="de-DE" smtClean="0"/>
-              <a:t>29.11.2016</a:t>
+              <a:t>30.11.2016</a:t>
             </a:fld>
             <a:endParaRPr lang="en-GB" dirty="0"/>
           </a:p>
@@ -15458,7 +15738,7 @@
           <a:p>
             <a:fld id="{3EC0E58E-6338-4F24-A8F1-9EB71956964B}" type="datetime1">
               <a:rPr lang="de-DE" smtClean="0"/>
-              <a:t>29.11.2016</a:t>
+              <a:t>30.11.2016</a:t>
             </a:fld>
             <a:endParaRPr lang="en-GB" dirty="0"/>
           </a:p>
@@ -15591,7 +15871,7 @@
           <a:p>
             <a:fld id="{DDC2D596-A773-4A90-ACEC-B9ED2432FA26}" type="datetime1">
               <a:rPr lang="de-DE" smtClean="0"/>
-              <a:t>29.11.2016</a:t>
+              <a:t>30.11.2016</a:t>
             </a:fld>
             <a:endParaRPr lang="en-GB" dirty="0"/>
           </a:p>
@@ -15772,7 +16052,7 @@
           <a:p>
             <a:fld id="{A19BD59E-2592-48B2-949F-09639AD7FAA9}" type="datetime1">
               <a:rPr lang="de-DE" smtClean="0"/>
-              <a:t>29.11.2016</a:t>
+              <a:t>30.11.2016</a:t>
             </a:fld>
             <a:endParaRPr lang="en-GB" dirty="0"/>
           </a:p>
@@ -16026,7 +16306,7 @@
           <a:p>
             <a:fld id="{EC318217-C1A8-4BD9-9C62-121EA7FABEDE}" type="datetime1">
               <a:rPr lang="de-DE" smtClean="0"/>
-              <a:t>29.11.2016</a:t>
+              <a:t>30.11.2016</a:t>
             </a:fld>
             <a:endParaRPr lang="en-GB" dirty="0"/>
           </a:p>
@@ -16364,7 +16644,7 @@
           <a:p>
             <a:fld id="{B50BC45A-85BB-47EB-A2D7-48A9D420EF0D}" type="datetime1">
               <a:rPr lang="de-DE" smtClean="0"/>
-              <a:t>29.11.2016</a:t>
+              <a:t>30.11.2016</a:t>
             </a:fld>
             <a:endParaRPr lang="en-GB" dirty="0"/>
           </a:p>
@@ -16663,7 +16943,7 @@
           <a:p>
             <a:fld id="{C4B8F266-5069-4F2C-A7B9-1DE144B318EB}" type="datetime1">
               <a:rPr lang="de-DE" smtClean="0"/>
-              <a:t>29.11.2016</a:t>
+              <a:t>30.11.2016</a:t>
             </a:fld>
             <a:endParaRPr lang="en-GB" dirty="0"/>
           </a:p>
@@ -17935,7 +18215,7 @@
           <a:p>
             <a:fld id="{1B448FF2-AE8B-4C5C-B4ED-669BD60D907F}" type="datetime1">
               <a:rPr lang="de-DE" smtClean="0"/>
-              <a:t>29.11.2016</a:t>
+              <a:t>30.11.2016</a:t>
             </a:fld>
             <a:endParaRPr lang="en-GB" dirty="0"/>
           </a:p>
@@ -18171,7 +18451,7 @@
           <a:p>
             <a:fld id="{D5D7A13D-A015-462C-AFB7-D9B78156466F}" type="datetime1">
               <a:rPr lang="de-DE" smtClean="0"/>
-              <a:t>29.11.2016</a:t>
+              <a:t>30.11.2016</a:t>
             </a:fld>
             <a:endParaRPr lang="en-GB" dirty="0"/>
           </a:p>
@@ -18581,7 +18861,7 @@
           <a:p>
             <a:fld id="{F7DC5947-96E8-475E-9519-C2A325065707}" type="datetime1">
               <a:rPr lang="de-DE" smtClean="0"/>
-              <a:t>29.11.2016</a:t>
+              <a:t>30.11.2016</a:t>
             </a:fld>
             <a:endParaRPr lang="en-GB" dirty="0"/>
           </a:p>
@@ -18717,7 +18997,7 @@
           <a:p>
             <a:fld id="{EEBBA4A2-9CBC-4DA5-8EF5-246AE7DE3D1D}" type="datetime1">
               <a:rPr lang="de-DE" smtClean="0"/>
-              <a:t>29.11.2016</a:t>
+              <a:t>30.11.2016</a:t>
             </a:fld>
             <a:endParaRPr lang="en-GB" dirty="0"/>
           </a:p>
@@ -18850,7 +19130,7 @@
           <a:p>
             <a:fld id="{28A7F2F9-2EB7-44FE-8FF9-FA67B5F40999}" type="datetime1">
               <a:rPr lang="de-DE" smtClean="0"/>
-              <a:t>29.11.2016</a:t>
+              <a:t>30.11.2016</a:t>
             </a:fld>
             <a:endParaRPr lang="en-GB" dirty="0"/>
           </a:p>
@@ -19031,7 +19311,7 @@
           <a:p>
             <a:fld id="{55E0D93D-8CA9-4594-88D6-089D01A222D6}" type="datetime1">
               <a:rPr lang="de-DE" smtClean="0"/>
-              <a:t>29.11.2016</a:t>
+              <a:t>30.11.2016</a:t>
             </a:fld>
             <a:endParaRPr lang="en-GB" dirty="0"/>
           </a:p>
@@ -19285,7 +19565,7 @@
           <a:p>
             <a:fld id="{3AF53923-3782-4053-9E57-5AF5DD96AE18}" type="datetime1">
               <a:rPr lang="de-DE" smtClean="0"/>
-              <a:t>29.11.2016</a:t>
+              <a:t>30.11.2016</a:t>
             </a:fld>
             <a:endParaRPr lang="en-GB" dirty="0"/>
           </a:p>
@@ -19623,7 +19903,7 @@
           <a:p>
             <a:fld id="{4C805731-64A9-4407-8A80-657BBE28CDE1}" type="datetime1">
               <a:rPr lang="de-DE" smtClean="0"/>
-              <a:t>29.11.2016</a:t>
+              <a:t>30.11.2016</a:t>
             </a:fld>
             <a:endParaRPr lang="en-GB" dirty="0"/>
           </a:p>
@@ -19922,7 +20202,7 @@
           <a:p>
             <a:fld id="{84B55E9E-4049-4C59-8B86-7E7DF220F2C0}" type="datetime1">
               <a:rPr lang="de-DE" smtClean="0"/>
-              <a:t>29.11.2016</a:t>
+              <a:t>30.11.2016</a:t>
             </a:fld>
             <a:endParaRPr lang="en-GB" dirty="0"/>
           </a:p>
@@ -21194,7 +21474,7 @@
           <a:p>
             <a:fld id="{19B251BF-C355-4C95-AC06-5C212CB6F034}" type="datetime1">
               <a:rPr lang="de-DE" smtClean="0"/>
-              <a:t>29.11.2016</a:t>
+              <a:t>30.11.2016</a:t>
             </a:fld>
             <a:endParaRPr lang="en-GB" dirty="0"/>
           </a:p>
@@ -21604,7 +21884,7 @@
           <a:p>
             <a:fld id="{223C1FAD-CA65-41A9-8E6A-19CB41AE3AF4}" type="datetime1">
               <a:rPr lang="de-DE" smtClean="0"/>
-              <a:t>29.11.2016</a:t>
+              <a:t>30.11.2016</a:t>
             </a:fld>
             <a:endParaRPr lang="en-GB" dirty="0"/>
           </a:p>
@@ -22009,7 +22289,7 @@
           <a:p>
             <a:fld id="{2D2A4B8D-AA2C-4916-85F6-8BCAB1EC6FA5}" type="datetime1">
               <a:rPr lang="de-DE" smtClean="0"/>
-              <a:t>29.11.2016</a:t>
+              <a:t>30.11.2016</a:t>
             </a:fld>
             <a:endParaRPr lang="en-GB" dirty="0"/>
           </a:p>
@@ -22145,7 +22425,7 @@
           <a:p>
             <a:fld id="{5C31AEE1-7ADD-4613-874C-A554B9492A9C}" type="datetime1">
               <a:rPr lang="de-DE" smtClean="0"/>
-              <a:t>29.11.2016</a:t>
+              <a:t>30.11.2016</a:t>
             </a:fld>
             <a:endParaRPr lang="en-GB" dirty="0"/>
           </a:p>
@@ -22278,7 +22558,7 @@
           <a:p>
             <a:fld id="{15B1C5FC-F800-4812-AF2C-74968D053060}" type="datetime1">
               <a:rPr lang="de-DE" smtClean="0"/>
-              <a:t>29.11.2016</a:t>
+              <a:t>30.11.2016</a:t>
             </a:fld>
             <a:endParaRPr lang="en-GB" dirty="0"/>
           </a:p>
@@ -22459,7 +22739,7 @@
           <a:p>
             <a:fld id="{B7096AED-E17D-40DC-85D8-F9FC9CB7A4B2}" type="datetime1">
               <a:rPr lang="de-DE" smtClean="0"/>
-              <a:t>29.11.2016</a:t>
+              <a:t>30.11.2016</a:t>
             </a:fld>
             <a:endParaRPr lang="en-GB" dirty="0"/>
           </a:p>
@@ -22713,7 +22993,7 @@
           <a:p>
             <a:fld id="{71627985-11F8-4E61-8AD4-9A97D368F2B5}" type="datetime1">
               <a:rPr lang="de-DE" smtClean="0"/>
-              <a:t>29.11.2016</a:t>
+              <a:t>30.11.2016</a:t>
             </a:fld>
             <a:endParaRPr lang="en-GB" dirty="0"/>
           </a:p>
@@ -23051,7 +23331,7 @@
           <a:p>
             <a:fld id="{2B2B7BDD-D068-4BD3-8B9F-561FA69107FA}" type="datetime1">
               <a:rPr lang="de-DE" smtClean="0"/>
-              <a:t>29.11.2016</a:t>
+              <a:t>30.11.2016</a:t>
             </a:fld>
             <a:endParaRPr lang="en-GB" dirty="0"/>
           </a:p>
@@ -23350,7 +23630,7 @@
           <a:p>
             <a:fld id="{FF90A0DC-DF93-4AFE-9E42-91637494E73A}" type="datetime1">
               <a:rPr lang="de-DE" smtClean="0"/>
-              <a:t>29.11.2016</a:t>
+              <a:t>30.11.2016</a:t>
             </a:fld>
             <a:endParaRPr lang="en-GB" dirty="0"/>
           </a:p>
@@ -24622,7 +24902,7 @@
           <a:p>
             <a:fld id="{440771A9-7E9B-49B3-AA6C-8DBEF7A75643}" type="datetime1">
               <a:rPr lang="de-DE" smtClean="0"/>
-              <a:t>29.11.2016</a:t>
+              <a:t>30.11.2016</a:t>
             </a:fld>
             <a:endParaRPr lang="en-GB" dirty="0"/>
           </a:p>
@@ -25032,7 +25312,7 @@
           <a:p>
             <a:fld id="{2CFFFF5A-FD21-42B1-B969-88D43CB34B51}" type="datetime1">
               <a:rPr lang="de-DE" smtClean="0"/>
-              <a:t>29.11.2016</a:t>
+              <a:t>30.11.2016</a:t>
             </a:fld>
             <a:endParaRPr lang="en-GB" dirty="0"/>
           </a:p>
@@ -25168,7 +25448,7 @@
           <a:p>
             <a:fld id="{A016AF52-09C1-4E88-A274-FA6CC3B045D3}" type="datetime1">
               <a:rPr lang="de-DE" smtClean="0"/>
-              <a:t>29.11.2016</a:t>
+              <a:t>30.11.2016</a:t>
             </a:fld>
             <a:endParaRPr lang="en-GB" dirty="0"/>
           </a:p>
@@ -25296,7 +25576,7 @@
           <a:p>
             <a:fld id="{DC9CD5A0-426B-4718-AD5A-B75B270D41ED}" type="datetime1">
               <a:rPr lang="de-DE" smtClean="0"/>
-              <a:t>29.11.2016</a:t>
+              <a:t>30.11.2016</a:t>
             </a:fld>
             <a:endParaRPr lang="en-GB" dirty="0"/>
           </a:p>
@@ -25429,7 +25709,7 @@
           <a:p>
             <a:fld id="{6A0BC94C-1A43-47EC-A93B-2DE63F317D90}" type="datetime1">
               <a:rPr lang="de-DE" smtClean="0"/>
-              <a:t>29.11.2016</a:t>
+              <a:t>30.11.2016</a:t>
             </a:fld>
             <a:endParaRPr lang="en-GB" dirty="0"/>
           </a:p>
@@ -25610,7 +25890,7 @@
           <a:p>
             <a:fld id="{065EA1D2-63C6-45E1-8CA0-C22F68D746B3}" type="datetime1">
               <a:rPr lang="de-DE" smtClean="0"/>
-              <a:t>29.11.2016</a:t>
+              <a:t>30.11.2016</a:t>
             </a:fld>
             <a:endParaRPr lang="en-GB" dirty="0"/>
           </a:p>
@@ -25864,7 +26144,7 @@
           <a:p>
             <a:fld id="{751437D2-F011-48FC-8CDC-F7F493E767C2}" type="datetime1">
               <a:rPr lang="de-DE" smtClean="0"/>
-              <a:t>29.11.2016</a:t>
+              <a:t>30.11.2016</a:t>
             </a:fld>
             <a:endParaRPr lang="en-GB" dirty="0"/>
           </a:p>
@@ -26202,7 +26482,7 @@
           <a:p>
             <a:fld id="{23B55771-8EAF-40D1-8939-C46630F6E594}" type="datetime1">
               <a:rPr lang="de-DE" smtClean="0"/>
-              <a:t>29.11.2016</a:t>
+              <a:t>30.11.2016</a:t>
             </a:fld>
             <a:endParaRPr lang="en-GB" dirty="0"/>
           </a:p>
@@ -26501,7 +26781,7 @@
           <a:p>
             <a:fld id="{2B215D0C-60D1-4767-9836-2C4B6B11DF0B}" type="datetime1">
               <a:rPr lang="de-DE" smtClean="0"/>
-              <a:t>29.11.2016</a:t>
+              <a:t>30.11.2016</a:t>
             </a:fld>
             <a:endParaRPr lang="en-GB" dirty="0"/>
           </a:p>
@@ -27773,7 +28053,7 @@
           <a:p>
             <a:fld id="{44E87144-CF29-43C7-8264-4E702385055A}" type="datetime1">
               <a:rPr lang="de-DE" smtClean="0"/>
-              <a:t>29.11.2016</a:t>
+              <a:t>30.11.2016</a:t>
             </a:fld>
             <a:endParaRPr lang="en-GB" dirty="0"/>
           </a:p>
@@ -28183,7 +28463,7 @@
           <a:p>
             <a:fld id="{96E17B65-76C4-47F5-A6B1-9A37F600BE1B}" type="datetime1">
               <a:rPr lang="de-DE" smtClean="0"/>
-              <a:t>29.11.2016</a:t>
+              <a:t>30.11.2016</a:t>
             </a:fld>
             <a:endParaRPr lang="en-GB" dirty="0"/>
           </a:p>
@@ -28319,7 +28599,7 @@
           <a:p>
             <a:fld id="{1054F478-B7C9-4DF3-A79F-D68E357742CA}" type="datetime1">
               <a:rPr lang="de-DE" smtClean="0"/>
-              <a:t>29.11.2016</a:t>
+              <a:t>30.11.2016</a:t>
             </a:fld>
             <a:endParaRPr lang="en-GB" dirty="0"/>
           </a:p>
@@ -28452,7 +28732,7 @@
           <a:p>
             <a:fld id="{F945D6C4-DD98-4BAE-8C32-F15AA15041F5}" type="datetime1">
               <a:rPr lang="de-DE" smtClean="0"/>
-              <a:t>29.11.2016</a:t>
+              <a:t>30.11.2016</a:t>
             </a:fld>
             <a:endParaRPr lang="en-GB" dirty="0"/>
           </a:p>
@@ -28587,7 +28867,7 @@
           <a:p>
             <a:fld id="{AFFFD89B-4C2B-4007-B92B-1D9843C098F8}" type="datetime1">
               <a:rPr lang="de-DE" smtClean="0"/>
-              <a:t>29.11.2016</a:t>
+              <a:t>30.11.2016</a:t>
             </a:fld>
             <a:endParaRPr lang="en-GB" dirty="0"/>
           </a:p>
@@ -28768,7 +29048,7 @@
           <a:p>
             <a:fld id="{8D9F009F-A9F4-473E-BFF8-8EAB5F084A1D}" type="datetime1">
               <a:rPr lang="de-DE" smtClean="0"/>
-              <a:t>29.11.2016</a:t>
+              <a:t>30.11.2016</a:t>
             </a:fld>
             <a:endParaRPr lang="en-GB" dirty="0"/>
           </a:p>
@@ -28946,7 +29226,7 @@
           <a:p>
             <a:fld id="{DBE4C7B5-BFB1-4EFC-84AB-1ABB28F92428}" type="datetime1">
               <a:rPr lang="de-DE" smtClean="0"/>
-              <a:t>29.11.2016</a:t>
+              <a:t>30.11.2016</a:t>
             </a:fld>
             <a:endParaRPr lang="en-GB" dirty="0"/>
           </a:p>
@@ -29784,7 +30064,7 @@
           <a:p>
             <a:fld id="{B52F6C30-4438-43DC-B9DB-FC9F3C7422B6}" type="datetime1">
               <a:rPr lang="de-DE" smtClean="0"/>
-              <a:t>29.11.2016</a:t>
+              <a:t>30.11.2016</a:t>
             </a:fld>
             <a:endParaRPr lang="en-GB" dirty="0"/>
           </a:p>
@@ -31256,7 +31536,7 @@
           <a:p>
             <a:fld id="{A1192F61-F055-4FCC-8C85-0CA5598F765F}" type="datetime1">
               <a:rPr lang="de-DE" smtClean="0"/>
-              <a:t>29.11.2016</a:t>
+              <a:t>30.11.2016</a:t>
             </a:fld>
             <a:endParaRPr lang="en-GB" dirty="0"/>
           </a:p>
@@ -32743,7 +33023,7 @@
           <a:p>
             <a:fld id="{2DE88D85-37E1-432E-B879-DA196448E489}" type="datetime1">
               <a:rPr lang="de-DE" smtClean="0"/>
-              <a:t>29.11.2016</a:t>
+              <a:t>30.11.2016</a:t>
             </a:fld>
             <a:endParaRPr lang="en-GB" dirty="0"/>
           </a:p>
@@ -34230,7 +34510,7 @@
           <a:p>
             <a:fld id="{87938FAD-41A5-4396-BD73-428A92EA50EA}" type="datetime1">
               <a:rPr lang="de-DE" smtClean="0"/>
-              <a:t>29.11.2016</a:t>
+              <a:t>30.11.2016</a:t>
             </a:fld>
             <a:endParaRPr lang="en-GB" dirty="0"/>
           </a:p>
@@ -35717,7 +35997,7 @@
           <a:p>
             <a:fld id="{CAB1536A-F375-4013-9265-9A4E71833523}" type="datetime1">
               <a:rPr lang="de-DE" smtClean="0"/>
-              <a:t>29.11.2016</a:t>
+              <a:t>30.11.2016</a:t>
             </a:fld>
             <a:endParaRPr lang="en-GB" dirty="0"/>
           </a:p>
@@ -37204,7 +37484,7 @@
           <a:p>
             <a:fld id="{69D62DC8-C150-4EA8-8747-C590A51462B3}" type="datetime1">
               <a:rPr lang="de-DE" smtClean="0"/>
-              <a:t>29.11.2016</a:t>
+              <a:t>30.11.2016</a:t>
             </a:fld>
             <a:endParaRPr lang="en-GB" dirty="0"/>
           </a:p>
@@ -38691,7 +38971,7 @@
           <a:p>
             <a:fld id="{6A0C8683-E385-4BEA-9AEC-7911A6E13DF7}" type="datetime1">
               <a:rPr lang="de-DE" smtClean="0"/>
-              <a:t>29.11.2016</a:t>
+              <a:t>30.11.2016</a:t>
             </a:fld>
             <a:endParaRPr lang="en-GB" dirty="0"/>
           </a:p>
@@ -40178,7 +40458,7 @@
           <a:p>
             <a:fld id="{D720D7B9-964B-42AF-83A3-2EEA6AAA4989}" type="datetime1">
               <a:rPr lang="de-DE" smtClean="0"/>
-              <a:t>29.11.2016</a:t>
+              <a:t>30.11.2016</a:t>
             </a:fld>
             <a:endParaRPr lang="en-GB" dirty="0"/>
           </a:p>
@@ -41665,7 +41945,7 @@
           <a:p>
             <a:fld id="{24934F42-2B65-43F1-9A8A-CFEB7168F921}" type="datetime1">
               <a:rPr lang="de-DE" smtClean="0"/>
-              <a:t>29.11.2016</a:t>
+              <a:t>30.11.2016</a:t>
             </a:fld>
             <a:endParaRPr lang="en-GB" dirty="0"/>
           </a:p>
@@ -42476,7 +42756,7 @@
           <a:p>
             <a:fld id="{ACCD7201-366E-43FC-B98E-C88B420A8D90}" type="datetime1">
               <a:rPr lang="de-DE" smtClean="0"/>
-              <a:t>29.11.2016</a:t>
+              <a:t>30.11.2016</a:t>
             </a:fld>
             <a:endParaRPr lang="en-GB" dirty="0"/>
           </a:p>
@@ -42661,7 +42941,7 @@
           <a:p>
             <a:fld id="{A176412C-F7AA-4787-B85E-A9C8B57F00A8}" type="datetime1">
               <a:rPr lang="de-DE" smtClean="0"/>
-              <a:t>29.11.2016</a:t>
+              <a:t>30.11.2016</a:t>
             </a:fld>
             <a:endParaRPr lang="en-GB" dirty="0"/>
           </a:p>
@@ -42786,7 +43066,7 @@
           <a:p>
             <a:fld id="{A176412C-F7AA-4787-B85E-A9C8B57F00A8}" type="datetime1">
               <a:rPr lang="de-DE" smtClean="0"/>
-              <a:t>29.11.2016</a:t>
+              <a:t>30.11.2016</a:t>
             </a:fld>
             <a:endParaRPr lang="en-GB" dirty="0"/>
           </a:p>
@@ -42979,7 +43259,7 @@
           <a:p>
             <a:fld id="{A176412C-F7AA-4787-B85E-A9C8B57F00A8}" type="datetime1">
               <a:rPr lang="de-DE" smtClean="0"/>
-              <a:t>29.11.2016</a:t>
+              <a:t>30.11.2016</a:t>
             </a:fld>
             <a:endParaRPr lang="en-GB" dirty="0"/>
           </a:p>
@@ -43232,7 +43512,7 @@
           <a:p>
             <a:fld id="{A176412C-F7AA-4787-B85E-A9C8B57F00A8}" type="datetime1">
               <a:rPr lang="de-DE" smtClean="0"/>
-              <a:t>29.11.2016</a:t>
+              <a:t>30.11.2016</a:t>
             </a:fld>
             <a:endParaRPr lang="en-GB" dirty="0"/>
           </a:p>
@@ -43382,7 +43662,7 @@
           <a:p>
             <a:fld id="{A176412C-F7AA-4787-B85E-A9C8B57F00A8}" type="datetime1">
               <a:rPr lang="de-DE" smtClean="0"/>
-              <a:t>29.11.2016</a:t>
+              <a:t>30.11.2016</a:t>
             </a:fld>
             <a:endParaRPr lang="en-GB" dirty="0"/>
           </a:p>
@@ -43452,7 +43732,7 @@
           <a:p>
             <a:r>
               <a:rPr lang="en-GB" dirty="0"/>
-              <a:t>Already done</a:t>
+              <a:t>Problems</a:t>
             </a:r>
           </a:p>
         </p:txBody>
@@ -43474,19 +43754,10 @@
           <a:p>
             <a:r>
               <a:rPr lang="en-GB" dirty="0"/>
-              <a:t>Sphere-sphere collision</a:t>
-            </a:r>
-          </a:p>
-          <a:p>
-            <a:r>
-              <a:rPr lang="en-GB" dirty="0"/>
-              <a:t>Sphere-box collision</a:t>
-            </a:r>
-          </a:p>
-          <a:p>
-            <a:pPr marL="0" indent="0">
-              <a:buNone/>
-            </a:pPr>
+              <a:t>Integration and usage of Ogre3D framework</a:t>
+            </a:r>
+          </a:p>
+          <a:p>
             <a:endParaRPr lang="en-GB" dirty="0"/>
           </a:p>
         </p:txBody>
@@ -43494,7 +43765,7 @@
     </p:spTree>
     <p:extLst>
       <p:ext uri="{BB962C8B-B14F-4D97-AF65-F5344CB8AC3E}">
-        <p14:creationId xmlns:p14="http://schemas.microsoft.com/office/powerpoint/2010/main" val="2031872880"/>
+        <p14:creationId xmlns:p14="http://schemas.microsoft.com/office/powerpoint/2010/main" val="395047630"/>
       </p:ext>
     </p:extLst>
   </p:cSld>
@@ -43541,7 +43812,7 @@
           <a:p>
             <a:fld id="{A176412C-F7AA-4787-B85E-A9C8B57F00A8}" type="datetime1">
               <a:rPr lang="de-DE" smtClean="0"/>
-              <a:t>29.11.2016</a:t>
+              <a:t>30.11.2016</a:t>
             </a:fld>
             <a:endParaRPr lang="en-GB" dirty="0"/>
           </a:p>
@@ -43589,6 +43860,165 @@
               <a:rPr lang="en-GB" smtClean="0"/>
               <a:pPr/>
               <a:t>7</a:t>
+            </a:fld>
+            <a:endParaRPr lang="en-GB" dirty="0"/>
+          </a:p>
+        </p:txBody>
+      </p:sp>
+      <p:sp>
+        <p:nvSpPr>
+          <p:cNvPr id="10" name="Titel 9"/>
+          <p:cNvSpPr>
+            <a:spLocks noGrp="1"/>
+          </p:cNvSpPr>
+          <p:nvPr>
+            <p:ph type="title"/>
+          </p:nvPr>
+        </p:nvSpPr>
+        <p:spPr/>
+        <p:txBody>
+          <a:bodyPr/>
+          <a:lstStyle/>
+          <a:p>
+            <a:r>
+              <a:rPr lang="en-GB" dirty="0"/>
+              <a:t>Already done</a:t>
+            </a:r>
+          </a:p>
+        </p:txBody>
+      </p:sp>
+      <p:sp>
+        <p:nvSpPr>
+          <p:cNvPr id="6" name="Inhaltsplatzhalter 5"/>
+          <p:cNvSpPr>
+            <a:spLocks noGrp="1"/>
+          </p:cNvSpPr>
+          <p:nvPr>
+            <p:ph idx="1"/>
+          </p:nvPr>
+        </p:nvSpPr>
+        <p:spPr/>
+        <p:txBody>
+          <a:bodyPr/>
+          <a:lstStyle/>
+          <a:p>
+            <a:r>
+              <a:rPr lang="en-GB" dirty="0"/>
+              <a:t>Sphere-sphere collision</a:t>
+            </a:r>
+          </a:p>
+          <a:p>
+            <a:r>
+              <a:rPr lang="en-GB" dirty="0"/>
+              <a:t>Sphere-box collision</a:t>
+            </a:r>
+          </a:p>
+          <a:p>
+            <a:pPr marL="0" indent="0">
+              <a:buNone/>
+            </a:pPr>
+            <a:endParaRPr lang="en-GB" dirty="0"/>
+          </a:p>
+        </p:txBody>
+      </p:sp>
+    </p:spTree>
+    <p:extLst>
+      <p:ext uri="{BB962C8B-B14F-4D97-AF65-F5344CB8AC3E}">
+        <p14:creationId xmlns:p14="http://schemas.microsoft.com/office/powerpoint/2010/main" val="2031872880"/>
+      </p:ext>
+    </p:extLst>
+  </p:cSld>
+  <p:clrMapOvr>
+    <a:masterClrMapping/>
+  </p:clrMapOvr>
+  <p:transition>
+    <p:fade/>
+  </p:transition>
+</p:sld>
+</file>
+
+<file path=ppt/slides/slide8.xml><?xml version="1.0" encoding="utf-8"?>
+<p:sld xmlns:a="http://schemas.openxmlformats.org/drawingml/2006/main" xmlns:r="http://schemas.openxmlformats.org/officeDocument/2006/relationships" xmlns:p="http://schemas.openxmlformats.org/presentationml/2006/main">
+  <p:cSld>
+    <p:spTree>
+      <p:nvGrpSpPr>
+        <p:cNvPr id="1" name=""/>
+        <p:cNvGrpSpPr/>
+        <p:nvPr/>
+      </p:nvGrpSpPr>
+      <p:grpSpPr>
+        <a:xfrm>
+          <a:off x="0" y="0"/>
+          <a:ext cx="0" cy="0"/>
+          <a:chOff x="0" y="0"/>
+          <a:chExt cx="0" cy="0"/>
+        </a:xfrm>
+      </p:grpSpPr>
+      <p:sp>
+        <p:nvSpPr>
+          <p:cNvPr id="3" name="Datumsplatzhalter 2"/>
+          <p:cNvSpPr>
+            <a:spLocks noGrp="1"/>
+          </p:cNvSpPr>
+          <p:nvPr>
+            <p:ph type="dt" sz="half" idx="10"/>
+          </p:nvPr>
+        </p:nvSpPr>
+        <p:spPr/>
+        <p:txBody>
+          <a:bodyPr/>
+          <a:lstStyle/>
+          <a:p>
+            <a:fld id="{A176412C-F7AA-4787-B85E-A9C8B57F00A8}" type="datetime1">
+              <a:rPr lang="de-DE" smtClean="0"/>
+              <a:t>30.11.2016</a:t>
+            </a:fld>
+            <a:endParaRPr lang="en-GB" dirty="0"/>
+          </a:p>
+        </p:txBody>
+      </p:sp>
+      <p:sp>
+        <p:nvSpPr>
+          <p:cNvPr id="4" name="Fußzeilenplatzhalter 3"/>
+          <p:cNvSpPr>
+            <a:spLocks noGrp="1"/>
+          </p:cNvSpPr>
+          <p:nvPr>
+            <p:ph type="ftr" sz="quarter" idx="11"/>
+          </p:nvPr>
+        </p:nvSpPr>
+        <p:spPr/>
+        <p:txBody>
+          <a:bodyPr/>
+          <a:lstStyle/>
+          <a:p>
+            <a:r>
+              <a:rPr lang="en-GB"/>
+              <a:t>Yannick Huber, Julia Giger, Ueli Wechsler</a:t>
+            </a:r>
+            <a:endParaRPr lang="en-GB" dirty="0"/>
+          </a:p>
+        </p:txBody>
+      </p:sp>
+      <p:sp>
+        <p:nvSpPr>
+          <p:cNvPr id="5" name="Foliennummernplatzhalter 4"/>
+          <p:cNvSpPr>
+            <a:spLocks noGrp="1"/>
+          </p:cNvSpPr>
+          <p:nvPr>
+            <p:ph type="sldNum" sz="quarter" idx="12"/>
+          </p:nvPr>
+        </p:nvSpPr>
+        <p:spPr/>
+        <p:txBody>
+          <a:bodyPr/>
+          <a:lstStyle/>
+          <a:p>
+            <a:fld id="{6C6AE60A-B69C-4790-82F7-3882EDF23186}" type="slidenum">
+              <a:rPr lang="en-GB" smtClean="0"/>
+              <a:pPr/>
+              <a:t>8</a:t>
             </a:fld>
             <a:endParaRPr lang="en-GB" dirty="0"/>
           </a:p>

--- a/project/pbs_project/presentation2.pptx
+++ b/project/pbs_project/presentation2.pptx
@@ -13,10 +13,10 @@
     <p:sldMasterId id="2147483849" r:id="rId9"/>
   </p:sldMasterIdLst>
   <p:notesMasterIdLst>
-    <p:notesMasterId r:id="rId18"/>
+    <p:notesMasterId r:id="rId16"/>
   </p:notesMasterIdLst>
   <p:handoutMasterIdLst>
-    <p:handoutMasterId r:id="rId19"/>
+    <p:handoutMasterId r:id="rId17"/>
   </p:handoutMasterIdLst>
   <p:sldIdLst>
     <p:sldId id="268" r:id="rId10"/>
@@ -24,9 +24,7 @@
     <p:sldId id="274" r:id="rId12"/>
     <p:sldId id="276" r:id="rId13"/>
     <p:sldId id="278" r:id="rId14"/>
-    <p:sldId id="279" r:id="rId15"/>
-    <p:sldId id="275" r:id="rId16"/>
-    <p:sldId id="277" r:id="rId17"/>
+    <p:sldId id="280" r:id="rId15"/>
   </p:sldIdLst>
   <p:sldSz cx="12187238" cy="6858000"/>
   <p:notesSz cx="7099300" cy="10234613"/>
@@ -1284,834 +1282,6 @@
     <p:extLst>
       <p:ext uri="{BB962C8B-B14F-4D97-AF65-F5344CB8AC3E}">
         <p14:creationId xmlns:p14="http://schemas.microsoft.com/office/powerpoint/2010/main" val="362744871"/>
-      </p:ext>
-    </p:extLst>
-  </p:cSld>
-  <p:clrMapOvr>
-    <a:masterClrMapping/>
-  </p:clrMapOvr>
-</p:notes>
-</file>
-
-<file path=ppt/notesSlides/notesSlide3.xml><?xml version="1.0" encoding="utf-8"?>
-<p:notes xmlns:a="http://schemas.openxmlformats.org/drawingml/2006/main" xmlns:r="http://schemas.openxmlformats.org/officeDocument/2006/relationships" xmlns:p="http://schemas.openxmlformats.org/presentationml/2006/main">
-  <p:cSld>
-    <p:spTree>
-      <p:nvGrpSpPr>
-        <p:cNvPr id="1" name=""/>
-        <p:cNvGrpSpPr/>
-        <p:nvPr/>
-      </p:nvGrpSpPr>
-      <p:grpSpPr>
-        <a:xfrm>
-          <a:off x="0" y="0"/>
-          <a:ext cx="0" cy="0"/>
-          <a:chOff x="0" y="0"/>
-          <a:chExt cx="0" cy="0"/>
-        </a:xfrm>
-      </p:grpSpPr>
-      <p:sp>
-        <p:nvSpPr>
-          <p:cNvPr id="2" name="Folienbildplatzhalter 1"/>
-          <p:cNvSpPr>
-            <a:spLocks noGrp="1" noRot="1" noChangeAspect="1"/>
-          </p:cNvSpPr>
-          <p:nvPr>
-            <p:ph type="sldImg"/>
-          </p:nvPr>
-        </p:nvSpPr>
-        <p:spPr/>
-      </p:sp>
-      <p:sp>
-        <p:nvSpPr>
-          <p:cNvPr id="3" name="Notizenplatzhalter 2"/>
-          <p:cNvSpPr>
-            <a:spLocks noGrp="1"/>
-          </p:cNvSpPr>
-          <p:nvPr>
-            <p:ph type="body" idx="1"/>
-          </p:nvPr>
-        </p:nvSpPr>
-        <p:spPr/>
-        <p:txBody>
-          <a:bodyPr/>
-          <a:lstStyle/>
-          <a:p>
-            <a:r>
-              <a:rPr lang="de-CH" sz="1200" kern="1200" dirty="0">
-                <a:solidFill>
-                  <a:schemeClr val="tx1"/>
-                </a:solidFill>
-                <a:latin typeface="Arial" panose="020B0604020202020204" pitchFamily="34" charset="0"/>
-                <a:ea typeface="+mn-ea"/>
-                <a:cs typeface="+mn-cs"/>
-              </a:rPr>
-              <a:t>Iterative Dynamics </a:t>
-            </a:r>
-            <a:r>
-              <a:rPr lang="de-CH" sz="1200" kern="1200" dirty="0" err="1">
-                <a:solidFill>
-                  <a:schemeClr val="tx1"/>
-                </a:solidFill>
-                <a:latin typeface="Arial" panose="020B0604020202020204" pitchFamily="34" charset="0"/>
-                <a:ea typeface="+mn-ea"/>
-                <a:cs typeface="+mn-cs"/>
-              </a:rPr>
-              <a:t>with</a:t>
-            </a:r>
-            <a:r>
-              <a:rPr lang="de-CH" sz="1200" kern="1200" dirty="0">
-                <a:solidFill>
-                  <a:schemeClr val="tx1"/>
-                </a:solidFill>
-                <a:latin typeface="Arial" panose="020B0604020202020204" pitchFamily="34" charset="0"/>
-                <a:ea typeface="+mn-ea"/>
-                <a:cs typeface="+mn-cs"/>
-              </a:rPr>
-              <a:t> Temporal </a:t>
-            </a:r>
-            <a:r>
-              <a:rPr lang="de-CH" sz="1200" kern="1200" dirty="0" err="1">
-                <a:solidFill>
-                  <a:schemeClr val="tx1"/>
-                </a:solidFill>
-                <a:latin typeface="Arial" panose="020B0604020202020204" pitchFamily="34" charset="0"/>
-                <a:ea typeface="+mn-ea"/>
-                <a:cs typeface="+mn-cs"/>
-              </a:rPr>
-              <a:t>Coherence</a:t>
-            </a:r>
-            <a:endParaRPr lang="de-CH" sz="1200" kern="1200" dirty="0">
-              <a:solidFill>
-                <a:schemeClr val="tx1"/>
-              </a:solidFill>
-              <a:latin typeface="Arial" panose="020B0604020202020204" pitchFamily="34" charset="0"/>
-              <a:ea typeface="+mn-ea"/>
-              <a:cs typeface="+mn-cs"/>
-            </a:endParaRPr>
-          </a:p>
-          <a:p>
-            <a:r>
-              <a:rPr lang="de-CH" sz="1200" kern="1200" dirty="0">
-                <a:solidFill>
-                  <a:schemeClr val="tx1"/>
-                </a:solidFill>
-                <a:latin typeface="Arial" panose="020B0604020202020204" pitchFamily="34" charset="0"/>
-                <a:ea typeface="+mn-ea"/>
-                <a:cs typeface="+mn-cs"/>
-              </a:rPr>
-              <a:t>Erin </a:t>
-            </a:r>
-            <a:r>
-              <a:rPr lang="de-CH" sz="1200" kern="1200" dirty="0" err="1">
-                <a:solidFill>
-                  <a:schemeClr val="tx1"/>
-                </a:solidFill>
-                <a:latin typeface="Arial" panose="020B0604020202020204" pitchFamily="34" charset="0"/>
-                <a:ea typeface="+mn-ea"/>
-                <a:cs typeface="+mn-cs"/>
-              </a:rPr>
-              <a:t>Catto</a:t>
-            </a:r>
-            <a:endParaRPr lang="de-CH" sz="1200" kern="1200" dirty="0">
-              <a:solidFill>
-                <a:schemeClr val="tx1"/>
-              </a:solidFill>
-              <a:latin typeface="Arial" panose="020B0604020202020204" pitchFamily="34" charset="0"/>
-              <a:ea typeface="+mn-ea"/>
-              <a:cs typeface="+mn-cs"/>
-            </a:endParaRPr>
-          </a:p>
-          <a:p>
-            <a:r>
-              <a:rPr lang="de-CH" sz="1200" kern="1200" dirty="0">
-                <a:solidFill>
-                  <a:schemeClr val="tx1"/>
-                </a:solidFill>
-                <a:latin typeface="Arial" panose="020B0604020202020204" pitchFamily="34" charset="0"/>
-                <a:ea typeface="+mn-ea"/>
-                <a:cs typeface="+mn-cs"/>
-              </a:rPr>
-              <a:t>Crystal Dynamics</a:t>
-            </a:r>
-          </a:p>
-          <a:p>
-            <a:r>
-              <a:rPr lang="de-CH" sz="1200" kern="1200" dirty="0">
-                <a:solidFill>
-                  <a:schemeClr val="tx1"/>
-                </a:solidFill>
-                <a:latin typeface="Arial" panose="020B0604020202020204" pitchFamily="34" charset="0"/>
-                <a:ea typeface="+mn-ea"/>
-                <a:cs typeface="+mn-cs"/>
-              </a:rPr>
-              <a:t>Menlo Park, California</a:t>
-            </a:r>
-          </a:p>
-          <a:p>
-            <a:r>
-              <a:rPr lang="de-CH" sz="1200" kern="1200" dirty="0" err="1">
-                <a:solidFill>
-                  <a:schemeClr val="tx1"/>
-                </a:solidFill>
-                <a:latin typeface="Arial" panose="020B0604020202020204" pitchFamily="34" charset="0"/>
-                <a:ea typeface="+mn-ea"/>
-                <a:cs typeface="+mn-cs"/>
-              </a:rPr>
-              <a:t>February</a:t>
-            </a:r>
-            <a:r>
-              <a:rPr lang="de-CH" sz="1200" kern="1200" dirty="0">
-                <a:solidFill>
-                  <a:schemeClr val="tx1"/>
-                </a:solidFill>
-                <a:latin typeface="Arial" panose="020B0604020202020204" pitchFamily="34" charset="0"/>
-                <a:ea typeface="+mn-ea"/>
-                <a:cs typeface="+mn-cs"/>
-              </a:rPr>
-              <a:t> 22, 2005</a:t>
-            </a:r>
-          </a:p>
-          <a:p>
-            <a:endParaRPr lang="de-CH" dirty="0"/>
-          </a:p>
-          <a:p>
-            <a:r>
-              <a:rPr lang="de-CH" dirty="0" err="1"/>
-              <a:t>Describe</a:t>
-            </a:r>
-            <a:r>
-              <a:rPr lang="de-CH" dirty="0"/>
-              <a:t> </a:t>
-            </a:r>
-            <a:r>
-              <a:rPr lang="de-CH" dirty="0" err="1"/>
-              <a:t>constraint</a:t>
-            </a:r>
-            <a:endParaRPr lang="de-CH" dirty="0"/>
-          </a:p>
-          <a:p>
-            <a:r>
-              <a:rPr lang="de-CH" dirty="0" err="1"/>
-              <a:t>Calculate</a:t>
-            </a:r>
-            <a:r>
-              <a:rPr lang="de-CH" baseline="0" dirty="0"/>
-              <a:t> derivative </a:t>
-            </a:r>
-          </a:p>
-          <a:p>
-            <a:r>
-              <a:rPr lang="de-CH" baseline="0" dirty="0"/>
-              <a:t>Separate </a:t>
-            </a:r>
-            <a:r>
-              <a:rPr lang="de-CH" baseline="0" dirty="0" err="1"/>
-              <a:t>velocities</a:t>
-            </a:r>
-            <a:r>
-              <a:rPr lang="de-CH" baseline="0" dirty="0"/>
-              <a:t>-&gt;</a:t>
-            </a:r>
-            <a:r>
-              <a:rPr lang="de-CH" baseline="0" dirty="0" err="1"/>
-              <a:t>get</a:t>
-            </a:r>
-            <a:r>
-              <a:rPr lang="de-CH" baseline="0" dirty="0"/>
-              <a:t> </a:t>
-            </a:r>
-            <a:r>
-              <a:rPr lang="de-CH" baseline="0" dirty="0" err="1"/>
-              <a:t>jacobian</a:t>
-            </a:r>
-            <a:endParaRPr lang="de-CH" baseline="0" dirty="0"/>
-          </a:p>
-          <a:p>
-            <a:endParaRPr lang="en-GB" dirty="0"/>
-          </a:p>
-        </p:txBody>
-      </p:sp>
-      <p:sp>
-        <p:nvSpPr>
-          <p:cNvPr id="4" name="Foliennummernplatzhalter 3"/>
-          <p:cNvSpPr>
-            <a:spLocks noGrp="1"/>
-          </p:cNvSpPr>
-          <p:nvPr>
-            <p:ph type="sldNum" sz="quarter" idx="10"/>
-          </p:nvPr>
-        </p:nvSpPr>
-        <p:spPr/>
-        <p:txBody>
-          <a:bodyPr/>
-          <a:lstStyle/>
-          <a:p>
-            <a:fld id="{A51C0C35-A9A2-4EFD-9BAF-1E52E29E03D1}" type="slidenum">
-              <a:rPr lang="de-CH" smtClean="0"/>
-              <a:pPr/>
-              <a:t>6</a:t>
-            </a:fld>
-            <a:endParaRPr lang="de-CH" dirty="0"/>
-          </a:p>
-        </p:txBody>
-      </p:sp>
-    </p:spTree>
-    <p:extLst>
-      <p:ext uri="{BB962C8B-B14F-4D97-AF65-F5344CB8AC3E}">
-        <p14:creationId xmlns:p14="http://schemas.microsoft.com/office/powerpoint/2010/main" val="2720864283"/>
-      </p:ext>
-    </p:extLst>
-  </p:cSld>
-  <p:clrMapOvr>
-    <a:masterClrMapping/>
-  </p:clrMapOvr>
-</p:notes>
-</file>
-
-<file path=ppt/notesSlides/notesSlide4.xml><?xml version="1.0" encoding="utf-8"?>
-<p:notes xmlns:a="http://schemas.openxmlformats.org/drawingml/2006/main" xmlns:r="http://schemas.openxmlformats.org/officeDocument/2006/relationships" xmlns:p="http://schemas.openxmlformats.org/presentationml/2006/main">
-  <p:cSld>
-    <p:spTree>
-      <p:nvGrpSpPr>
-        <p:cNvPr id="1" name=""/>
-        <p:cNvGrpSpPr/>
-        <p:nvPr/>
-      </p:nvGrpSpPr>
-      <p:grpSpPr>
-        <a:xfrm>
-          <a:off x="0" y="0"/>
-          <a:ext cx="0" cy="0"/>
-          <a:chOff x="0" y="0"/>
-          <a:chExt cx="0" cy="0"/>
-        </a:xfrm>
-      </p:grpSpPr>
-      <p:sp>
-        <p:nvSpPr>
-          <p:cNvPr id="2" name="Folienbildplatzhalter 1"/>
-          <p:cNvSpPr>
-            <a:spLocks noGrp="1" noRot="1" noChangeAspect="1"/>
-          </p:cNvSpPr>
-          <p:nvPr>
-            <p:ph type="sldImg"/>
-          </p:nvPr>
-        </p:nvSpPr>
-        <p:spPr/>
-      </p:sp>
-      <p:sp>
-        <p:nvSpPr>
-          <p:cNvPr id="3" name="Notizenplatzhalter 2"/>
-          <p:cNvSpPr>
-            <a:spLocks noGrp="1"/>
-          </p:cNvSpPr>
-          <p:nvPr>
-            <p:ph type="body" idx="1"/>
-          </p:nvPr>
-        </p:nvSpPr>
-        <p:spPr/>
-        <p:txBody>
-          <a:bodyPr/>
-          <a:lstStyle/>
-          <a:p>
-            <a:r>
-              <a:rPr lang="de-CH" sz="1200" kern="1200" dirty="0">
-                <a:solidFill>
-                  <a:schemeClr val="tx1"/>
-                </a:solidFill>
-                <a:latin typeface="Arial" panose="020B0604020202020204" pitchFamily="34" charset="0"/>
-                <a:ea typeface="+mn-ea"/>
-                <a:cs typeface="+mn-cs"/>
-              </a:rPr>
-              <a:t>Iterative Dynamics </a:t>
-            </a:r>
-            <a:r>
-              <a:rPr lang="de-CH" sz="1200" kern="1200" dirty="0" err="1">
-                <a:solidFill>
-                  <a:schemeClr val="tx1"/>
-                </a:solidFill>
-                <a:latin typeface="Arial" panose="020B0604020202020204" pitchFamily="34" charset="0"/>
-                <a:ea typeface="+mn-ea"/>
-                <a:cs typeface="+mn-cs"/>
-              </a:rPr>
-              <a:t>with</a:t>
-            </a:r>
-            <a:r>
-              <a:rPr lang="de-CH" sz="1200" kern="1200" dirty="0">
-                <a:solidFill>
-                  <a:schemeClr val="tx1"/>
-                </a:solidFill>
-                <a:latin typeface="Arial" panose="020B0604020202020204" pitchFamily="34" charset="0"/>
-                <a:ea typeface="+mn-ea"/>
-                <a:cs typeface="+mn-cs"/>
-              </a:rPr>
-              <a:t> Temporal </a:t>
-            </a:r>
-            <a:r>
-              <a:rPr lang="de-CH" sz="1200" kern="1200" dirty="0" err="1">
-                <a:solidFill>
-                  <a:schemeClr val="tx1"/>
-                </a:solidFill>
-                <a:latin typeface="Arial" panose="020B0604020202020204" pitchFamily="34" charset="0"/>
-                <a:ea typeface="+mn-ea"/>
-                <a:cs typeface="+mn-cs"/>
-              </a:rPr>
-              <a:t>Coherence</a:t>
-            </a:r>
-            <a:endParaRPr lang="de-CH" sz="1200" kern="1200" dirty="0">
-              <a:solidFill>
-                <a:schemeClr val="tx1"/>
-              </a:solidFill>
-              <a:latin typeface="Arial" panose="020B0604020202020204" pitchFamily="34" charset="0"/>
-              <a:ea typeface="+mn-ea"/>
-              <a:cs typeface="+mn-cs"/>
-            </a:endParaRPr>
-          </a:p>
-          <a:p>
-            <a:r>
-              <a:rPr lang="de-CH" sz="1200" kern="1200" dirty="0">
-                <a:solidFill>
-                  <a:schemeClr val="tx1"/>
-                </a:solidFill>
-                <a:latin typeface="Arial" panose="020B0604020202020204" pitchFamily="34" charset="0"/>
-                <a:ea typeface="+mn-ea"/>
-                <a:cs typeface="+mn-cs"/>
-              </a:rPr>
-              <a:t>Erin </a:t>
-            </a:r>
-            <a:r>
-              <a:rPr lang="de-CH" sz="1200" kern="1200" dirty="0" err="1">
-                <a:solidFill>
-                  <a:schemeClr val="tx1"/>
-                </a:solidFill>
-                <a:latin typeface="Arial" panose="020B0604020202020204" pitchFamily="34" charset="0"/>
-                <a:ea typeface="+mn-ea"/>
-                <a:cs typeface="+mn-cs"/>
-              </a:rPr>
-              <a:t>Catto</a:t>
-            </a:r>
-            <a:endParaRPr lang="de-CH" sz="1200" kern="1200" dirty="0">
-              <a:solidFill>
-                <a:schemeClr val="tx1"/>
-              </a:solidFill>
-              <a:latin typeface="Arial" panose="020B0604020202020204" pitchFamily="34" charset="0"/>
-              <a:ea typeface="+mn-ea"/>
-              <a:cs typeface="+mn-cs"/>
-            </a:endParaRPr>
-          </a:p>
-          <a:p>
-            <a:r>
-              <a:rPr lang="de-CH" sz="1200" kern="1200" dirty="0">
-                <a:solidFill>
-                  <a:schemeClr val="tx1"/>
-                </a:solidFill>
-                <a:latin typeface="Arial" panose="020B0604020202020204" pitchFamily="34" charset="0"/>
-                <a:ea typeface="+mn-ea"/>
-                <a:cs typeface="+mn-cs"/>
-              </a:rPr>
-              <a:t>Crystal Dynamics</a:t>
-            </a:r>
-          </a:p>
-          <a:p>
-            <a:r>
-              <a:rPr lang="de-CH" sz="1200" kern="1200" dirty="0">
-                <a:solidFill>
-                  <a:schemeClr val="tx1"/>
-                </a:solidFill>
-                <a:latin typeface="Arial" panose="020B0604020202020204" pitchFamily="34" charset="0"/>
-                <a:ea typeface="+mn-ea"/>
-                <a:cs typeface="+mn-cs"/>
-              </a:rPr>
-              <a:t>Menlo Park, California</a:t>
-            </a:r>
-          </a:p>
-          <a:p>
-            <a:r>
-              <a:rPr lang="de-CH" sz="1200" kern="1200" dirty="0" err="1">
-                <a:solidFill>
-                  <a:schemeClr val="tx1"/>
-                </a:solidFill>
-                <a:latin typeface="Arial" panose="020B0604020202020204" pitchFamily="34" charset="0"/>
-                <a:ea typeface="+mn-ea"/>
-                <a:cs typeface="+mn-cs"/>
-              </a:rPr>
-              <a:t>February</a:t>
-            </a:r>
-            <a:r>
-              <a:rPr lang="de-CH" sz="1200" kern="1200" dirty="0">
-                <a:solidFill>
-                  <a:schemeClr val="tx1"/>
-                </a:solidFill>
-                <a:latin typeface="Arial" panose="020B0604020202020204" pitchFamily="34" charset="0"/>
-                <a:ea typeface="+mn-ea"/>
-                <a:cs typeface="+mn-cs"/>
-              </a:rPr>
-              <a:t> 22, 2005</a:t>
-            </a:r>
-          </a:p>
-          <a:p>
-            <a:endParaRPr lang="de-CH" dirty="0"/>
-          </a:p>
-          <a:p>
-            <a:r>
-              <a:rPr lang="de-CH" dirty="0" err="1"/>
-              <a:t>Describe</a:t>
-            </a:r>
-            <a:r>
-              <a:rPr lang="de-CH" dirty="0"/>
-              <a:t> </a:t>
-            </a:r>
-            <a:r>
-              <a:rPr lang="de-CH" dirty="0" err="1"/>
-              <a:t>constraint</a:t>
-            </a:r>
-            <a:endParaRPr lang="de-CH" dirty="0"/>
-          </a:p>
-          <a:p>
-            <a:r>
-              <a:rPr lang="de-CH" dirty="0" err="1"/>
-              <a:t>Calculate</a:t>
-            </a:r>
-            <a:r>
-              <a:rPr lang="de-CH" baseline="0" dirty="0"/>
-              <a:t> derivative </a:t>
-            </a:r>
-          </a:p>
-          <a:p>
-            <a:r>
-              <a:rPr lang="de-CH" baseline="0" dirty="0"/>
-              <a:t>Separate </a:t>
-            </a:r>
-            <a:r>
-              <a:rPr lang="de-CH" baseline="0" dirty="0" err="1"/>
-              <a:t>velocities</a:t>
-            </a:r>
-            <a:r>
-              <a:rPr lang="de-CH" baseline="0" dirty="0"/>
-              <a:t>-&gt;</a:t>
-            </a:r>
-            <a:r>
-              <a:rPr lang="de-CH" baseline="0" dirty="0" err="1"/>
-              <a:t>get</a:t>
-            </a:r>
-            <a:r>
-              <a:rPr lang="de-CH" baseline="0" dirty="0"/>
-              <a:t> </a:t>
-            </a:r>
-            <a:r>
-              <a:rPr lang="de-CH" baseline="0" dirty="0" err="1"/>
-              <a:t>jacobian</a:t>
-            </a:r>
-            <a:endParaRPr lang="de-CH" baseline="0" dirty="0"/>
-          </a:p>
-          <a:p>
-            <a:endParaRPr lang="en-GB" dirty="0"/>
-          </a:p>
-        </p:txBody>
-      </p:sp>
-      <p:sp>
-        <p:nvSpPr>
-          <p:cNvPr id="4" name="Foliennummernplatzhalter 3"/>
-          <p:cNvSpPr>
-            <a:spLocks noGrp="1"/>
-          </p:cNvSpPr>
-          <p:nvPr>
-            <p:ph type="sldNum" sz="quarter" idx="10"/>
-          </p:nvPr>
-        </p:nvSpPr>
-        <p:spPr/>
-        <p:txBody>
-          <a:bodyPr/>
-          <a:lstStyle/>
-          <a:p>
-            <a:fld id="{A51C0C35-A9A2-4EFD-9BAF-1E52E29E03D1}" type="slidenum">
-              <a:rPr lang="de-CH" smtClean="0"/>
-              <a:pPr/>
-              <a:t>7</a:t>
-            </a:fld>
-            <a:endParaRPr lang="de-CH" dirty="0"/>
-          </a:p>
-        </p:txBody>
-      </p:sp>
-    </p:spTree>
-    <p:extLst>
-      <p:ext uri="{BB962C8B-B14F-4D97-AF65-F5344CB8AC3E}">
-        <p14:creationId xmlns:p14="http://schemas.microsoft.com/office/powerpoint/2010/main" val="2759227322"/>
-      </p:ext>
-    </p:extLst>
-  </p:cSld>
-  <p:clrMapOvr>
-    <a:masterClrMapping/>
-  </p:clrMapOvr>
-</p:notes>
-</file>
-
-<file path=ppt/notesSlides/notesSlide5.xml><?xml version="1.0" encoding="utf-8"?>
-<p:notes xmlns:a="http://schemas.openxmlformats.org/drawingml/2006/main" xmlns:r="http://schemas.openxmlformats.org/officeDocument/2006/relationships" xmlns:p="http://schemas.openxmlformats.org/presentationml/2006/main">
-  <p:cSld>
-    <p:spTree>
-      <p:nvGrpSpPr>
-        <p:cNvPr id="1" name=""/>
-        <p:cNvGrpSpPr/>
-        <p:nvPr/>
-      </p:nvGrpSpPr>
-      <p:grpSpPr>
-        <a:xfrm>
-          <a:off x="0" y="0"/>
-          <a:ext cx="0" cy="0"/>
-          <a:chOff x="0" y="0"/>
-          <a:chExt cx="0" cy="0"/>
-        </a:xfrm>
-      </p:grpSpPr>
-      <p:sp>
-        <p:nvSpPr>
-          <p:cNvPr id="2" name="Folienbildplatzhalter 1"/>
-          <p:cNvSpPr>
-            <a:spLocks noGrp="1" noRot="1" noChangeAspect="1"/>
-          </p:cNvSpPr>
-          <p:nvPr>
-            <p:ph type="sldImg"/>
-          </p:nvPr>
-        </p:nvSpPr>
-        <p:spPr/>
-      </p:sp>
-      <p:sp>
-        <p:nvSpPr>
-          <p:cNvPr id="3" name="Notizenplatzhalter 2"/>
-          <p:cNvSpPr>
-            <a:spLocks noGrp="1"/>
-          </p:cNvSpPr>
-          <p:nvPr>
-            <p:ph type="body" idx="1"/>
-          </p:nvPr>
-        </p:nvSpPr>
-        <p:spPr/>
-        <p:txBody>
-          <a:bodyPr/>
-          <a:lstStyle/>
-          <a:p>
-            <a:r>
-              <a:rPr lang="de-CH" sz="1200" kern="1200" dirty="0">
-                <a:solidFill>
-                  <a:schemeClr val="tx1"/>
-                </a:solidFill>
-                <a:latin typeface="Arial" panose="020B0604020202020204" pitchFamily="34" charset="0"/>
-                <a:ea typeface="+mn-ea"/>
-                <a:cs typeface="+mn-cs"/>
-              </a:rPr>
-              <a:t>Iterative Dynamics </a:t>
-            </a:r>
-            <a:r>
-              <a:rPr lang="de-CH" sz="1200" kern="1200" dirty="0" err="1">
-                <a:solidFill>
-                  <a:schemeClr val="tx1"/>
-                </a:solidFill>
-                <a:latin typeface="Arial" panose="020B0604020202020204" pitchFamily="34" charset="0"/>
-                <a:ea typeface="+mn-ea"/>
-                <a:cs typeface="+mn-cs"/>
-              </a:rPr>
-              <a:t>with</a:t>
-            </a:r>
-            <a:r>
-              <a:rPr lang="de-CH" sz="1200" kern="1200" dirty="0">
-                <a:solidFill>
-                  <a:schemeClr val="tx1"/>
-                </a:solidFill>
-                <a:latin typeface="Arial" panose="020B0604020202020204" pitchFamily="34" charset="0"/>
-                <a:ea typeface="+mn-ea"/>
-                <a:cs typeface="+mn-cs"/>
-              </a:rPr>
-              <a:t> Temporal </a:t>
-            </a:r>
-            <a:r>
-              <a:rPr lang="de-CH" sz="1200" kern="1200" dirty="0" err="1">
-                <a:solidFill>
-                  <a:schemeClr val="tx1"/>
-                </a:solidFill>
-                <a:latin typeface="Arial" panose="020B0604020202020204" pitchFamily="34" charset="0"/>
-                <a:ea typeface="+mn-ea"/>
-                <a:cs typeface="+mn-cs"/>
-              </a:rPr>
-              <a:t>Coherence</a:t>
-            </a:r>
-            <a:endParaRPr lang="de-CH" sz="1200" kern="1200" dirty="0">
-              <a:solidFill>
-                <a:schemeClr val="tx1"/>
-              </a:solidFill>
-              <a:latin typeface="Arial" panose="020B0604020202020204" pitchFamily="34" charset="0"/>
-              <a:ea typeface="+mn-ea"/>
-              <a:cs typeface="+mn-cs"/>
-            </a:endParaRPr>
-          </a:p>
-          <a:p>
-            <a:r>
-              <a:rPr lang="de-CH" sz="1200" kern="1200" dirty="0">
-                <a:solidFill>
-                  <a:schemeClr val="tx1"/>
-                </a:solidFill>
-                <a:latin typeface="Arial" panose="020B0604020202020204" pitchFamily="34" charset="0"/>
-                <a:ea typeface="+mn-ea"/>
-                <a:cs typeface="+mn-cs"/>
-              </a:rPr>
-              <a:t>Erin </a:t>
-            </a:r>
-            <a:r>
-              <a:rPr lang="de-CH" sz="1200" kern="1200" dirty="0" err="1">
-                <a:solidFill>
-                  <a:schemeClr val="tx1"/>
-                </a:solidFill>
-                <a:latin typeface="Arial" panose="020B0604020202020204" pitchFamily="34" charset="0"/>
-                <a:ea typeface="+mn-ea"/>
-                <a:cs typeface="+mn-cs"/>
-              </a:rPr>
-              <a:t>Catto</a:t>
-            </a:r>
-            <a:endParaRPr lang="de-CH" sz="1200" kern="1200" dirty="0">
-              <a:solidFill>
-                <a:schemeClr val="tx1"/>
-              </a:solidFill>
-              <a:latin typeface="Arial" panose="020B0604020202020204" pitchFamily="34" charset="0"/>
-              <a:ea typeface="+mn-ea"/>
-              <a:cs typeface="+mn-cs"/>
-            </a:endParaRPr>
-          </a:p>
-          <a:p>
-            <a:r>
-              <a:rPr lang="de-CH" sz="1200" kern="1200" dirty="0">
-                <a:solidFill>
-                  <a:schemeClr val="tx1"/>
-                </a:solidFill>
-                <a:latin typeface="Arial" panose="020B0604020202020204" pitchFamily="34" charset="0"/>
-                <a:ea typeface="+mn-ea"/>
-                <a:cs typeface="+mn-cs"/>
-              </a:rPr>
-              <a:t>Crystal Dynamics</a:t>
-            </a:r>
-          </a:p>
-          <a:p>
-            <a:r>
-              <a:rPr lang="de-CH" sz="1200" kern="1200" dirty="0">
-                <a:solidFill>
-                  <a:schemeClr val="tx1"/>
-                </a:solidFill>
-                <a:latin typeface="Arial" panose="020B0604020202020204" pitchFamily="34" charset="0"/>
-                <a:ea typeface="+mn-ea"/>
-                <a:cs typeface="+mn-cs"/>
-              </a:rPr>
-              <a:t>Menlo Park, California</a:t>
-            </a:r>
-          </a:p>
-          <a:p>
-            <a:r>
-              <a:rPr lang="de-CH" sz="1200" kern="1200" dirty="0" err="1">
-                <a:solidFill>
-                  <a:schemeClr val="tx1"/>
-                </a:solidFill>
-                <a:latin typeface="Arial" panose="020B0604020202020204" pitchFamily="34" charset="0"/>
-                <a:ea typeface="+mn-ea"/>
-                <a:cs typeface="+mn-cs"/>
-              </a:rPr>
-              <a:t>February</a:t>
-            </a:r>
-            <a:r>
-              <a:rPr lang="de-CH" sz="1200" kern="1200" dirty="0">
-                <a:solidFill>
-                  <a:schemeClr val="tx1"/>
-                </a:solidFill>
-                <a:latin typeface="Arial" panose="020B0604020202020204" pitchFamily="34" charset="0"/>
-                <a:ea typeface="+mn-ea"/>
-                <a:cs typeface="+mn-cs"/>
-              </a:rPr>
-              <a:t> 22, 2005</a:t>
-            </a:r>
-          </a:p>
-          <a:p>
-            <a:endParaRPr lang="de-CH" dirty="0"/>
-          </a:p>
-          <a:p>
-            <a:r>
-              <a:rPr lang="de-CH" dirty="0" err="1"/>
-              <a:t>Describe</a:t>
-            </a:r>
-            <a:r>
-              <a:rPr lang="de-CH" dirty="0"/>
-              <a:t> </a:t>
-            </a:r>
-            <a:r>
-              <a:rPr lang="de-CH" dirty="0" err="1"/>
-              <a:t>constraint</a:t>
-            </a:r>
-            <a:endParaRPr lang="de-CH" dirty="0"/>
-          </a:p>
-          <a:p>
-            <a:r>
-              <a:rPr lang="de-CH" dirty="0" err="1"/>
-              <a:t>Calculate</a:t>
-            </a:r>
-            <a:r>
-              <a:rPr lang="de-CH" baseline="0" dirty="0"/>
-              <a:t> derivative </a:t>
-            </a:r>
-          </a:p>
-          <a:p>
-            <a:r>
-              <a:rPr lang="de-CH" baseline="0" dirty="0"/>
-              <a:t>Separate </a:t>
-            </a:r>
-            <a:r>
-              <a:rPr lang="de-CH" baseline="0" dirty="0" err="1"/>
-              <a:t>velocities</a:t>
-            </a:r>
-            <a:r>
-              <a:rPr lang="de-CH" baseline="0" dirty="0"/>
-              <a:t>-&gt;</a:t>
-            </a:r>
-            <a:r>
-              <a:rPr lang="de-CH" baseline="0" dirty="0" err="1"/>
-              <a:t>get</a:t>
-            </a:r>
-            <a:r>
-              <a:rPr lang="de-CH" baseline="0" dirty="0"/>
-              <a:t> </a:t>
-            </a:r>
-            <a:r>
-              <a:rPr lang="de-CH" baseline="0" dirty="0" err="1"/>
-              <a:t>jacobian</a:t>
-            </a:r>
-            <a:endParaRPr lang="de-CH" baseline="0" dirty="0"/>
-          </a:p>
-          <a:p>
-            <a:endParaRPr lang="en-GB" dirty="0"/>
-          </a:p>
-        </p:txBody>
-      </p:sp>
-      <p:sp>
-        <p:nvSpPr>
-          <p:cNvPr id="4" name="Foliennummernplatzhalter 3"/>
-          <p:cNvSpPr>
-            <a:spLocks noGrp="1"/>
-          </p:cNvSpPr>
-          <p:nvPr>
-            <p:ph type="sldNum" sz="quarter" idx="10"/>
-          </p:nvPr>
-        </p:nvSpPr>
-        <p:spPr/>
-        <p:txBody>
-          <a:bodyPr/>
-          <a:lstStyle/>
-          <a:p>
-            <a:fld id="{A51C0C35-A9A2-4EFD-9BAF-1E52E29E03D1}" type="slidenum">
-              <a:rPr lang="de-CH" smtClean="0"/>
-              <a:pPr/>
-              <a:t>8</a:t>
-            </a:fld>
-            <a:endParaRPr lang="de-CH" dirty="0"/>
-          </a:p>
-        </p:txBody>
-      </p:sp>
-    </p:spTree>
-    <p:extLst>
-      <p:ext uri="{BB962C8B-B14F-4D97-AF65-F5344CB8AC3E}">
-        <p14:creationId xmlns:p14="http://schemas.microsoft.com/office/powerpoint/2010/main" val="3587461084"/>
       </p:ext>
     </p:extLst>
   </p:cSld>
@@ -43589,27 +42759,33 @@
       </p:sp>
       <p:pic>
         <p:nvPicPr>
-          <p:cNvPr id="11" name="Inhaltsplatzhalter 10"/>
+          <p:cNvPr id="6" name="cart_AA0000-0150">
+            <a:hlinkClick r:id="" action="ppaction://media"/>
+          </p:cNvPr>
           <p:cNvPicPr>
             <a:picLocks noGrp="1" noChangeAspect="1"/>
           </p:cNvPicPr>
           <p:nvPr>
             <p:ph idx="1"/>
+            <a:videoFile r:link="rId2"/>
+            <p:extLst>
+              <p:ext uri="{DAA4B4D4-6D71-4841-9C94-3DE7FCFB9230}">
+                <p14:media xmlns:p14="http://schemas.microsoft.com/office/powerpoint/2010/main" r:embed="rId1"/>
+              </p:ext>
+            </p:extLst>
           </p:nvPr>
         </p:nvPicPr>
-        <p:blipFill rotWithShape="1">
-          <a:blip r:embed="rId3"/>
-          <a:srcRect l="12489" t="12846" r="37482" b="22159"/>
-          <a:stretch/>
+        <p:blipFill>
+          <a:blip r:embed="rId5"/>
+          <a:stretch>
+            <a:fillRect/>
+          </a:stretch>
         </p:blipFill>
         <p:spPr>
           <a:xfrm>
-            <a:off x="3250097" y="1772816"/>
-            <a:ext cx="5688632" cy="4157079"/>
+            <a:off x="1601788" y="2024063"/>
+            <a:ext cx="8980487" cy="4210050"/>
           </a:xfrm>
-          <a:prstGeom prst="rect">
-            <a:avLst/>
-          </a:prstGeom>
         </p:spPr>
       </p:pic>
     </p:spTree>
@@ -43625,6 +42801,86 @@
   <p:transition>
     <p:fade/>
   </p:transition>
+  <p:timing>
+    <p:tnLst>
+      <p:par>
+        <p:cTn id="1" dur="indefinite" restart="never" nodeType="tmRoot">
+          <p:childTnLst>
+            <p:seq concurrent="1" nextAc="seek">
+              <p:cTn id="2" restart="whenNotActive" fill="hold" evtFilter="cancelBubble" nodeType="interactiveSeq">
+                <p:stCondLst>
+                  <p:cond evt="onClick" delay="0">
+                    <p:tgtEl>
+                      <p:spTgt spid="6"/>
+                    </p:tgtEl>
+                  </p:cond>
+                </p:stCondLst>
+                <p:endSync evt="end" delay="0">
+                  <p:rtn val="all"/>
+                </p:endSync>
+                <p:childTnLst>
+                  <p:par>
+                    <p:cTn id="3" fill="hold">
+                      <p:stCondLst>
+                        <p:cond delay="0"/>
+                      </p:stCondLst>
+                      <p:childTnLst>
+                        <p:par>
+                          <p:cTn id="4" fill="hold">
+                            <p:stCondLst>
+                              <p:cond delay="0"/>
+                            </p:stCondLst>
+                            <p:childTnLst>
+                              <p:par>
+                                <p:cTn id="5" presetID="2" presetClass="mediacall" presetSubtype="0" fill="hold" nodeType="clickEffect">
+                                  <p:stCondLst>
+                                    <p:cond delay="0"/>
+                                  </p:stCondLst>
+                                  <p:childTnLst>
+                                    <p:cmd type="call" cmd="togglePause">
+                                      <p:cBhvr>
+                                        <p:cTn id="6" dur="1" fill="hold"/>
+                                        <p:tgtEl>
+                                          <p:spTgt spid="6"/>
+                                        </p:tgtEl>
+                                      </p:cBhvr>
+                                    </p:cmd>
+                                  </p:childTnLst>
+                                </p:cTn>
+                              </p:par>
+                            </p:childTnLst>
+                          </p:cTn>
+                        </p:par>
+                      </p:childTnLst>
+                    </p:cTn>
+                  </p:par>
+                </p:childTnLst>
+              </p:cTn>
+              <p:nextCondLst>
+                <p:cond evt="onClick" delay="0">
+                  <p:tgtEl>
+                    <p:spTgt spid="6"/>
+                  </p:tgtEl>
+                </p:cond>
+              </p:nextCondLst>
+            </p:seq>
+            <p:video>
+              <p:cMediaNode vol="80000">
+                <p:cTn id="7" fill="hold" display="0">
+                  <p:stCondLst>
+                    <p:cond delay="indefinite"/>
+                  </p:stCondLst>
+                </p:cTn>
+                <p:tgtEl>
+                  <p:spTgt spid="6"/>
+                </p:tgtEl>
+              </p:cMediaNode>
+            </p:video>
+          </p:childTnLst>
+        </p:cTn>
+      </p:par>
+    </p:tnLst>
+  </p:timing>
 </p:sld>
 </file>
 
@@ -43647,12 +42903,12 @@
       </p:grpSpPr>
       <p:sp>
         <p:nvSpPr>
-          <p:cNvPr id="3" name="Datumsplatzhalter 2"/>
+          <p:cNvPr id="2" name="Inhaltsplatzhalter 1"/>
           <p:cNvSpPr>
             <a:spLocks noGrp="1"/>
           </p:cNvSpPr>
           <p:nvPr>
-            <p:ph type="dt" sz="half" idx="10"/>
+            <p:ph idx="1"/>
           </p:nvPr>
         </p:nvSpPr>
         <p:spPr/>
@@ -43660,7 +42916,95 @@
           <a:bodyPr/>
           <a:lstStyle/>
           <a:p>
-            <a:fld id="{A176412C-F7AA-4787-B85E-A9C8B57F00A8}" type="datetime1">
+            <a:r>
+              <a:rPr lang="en-GB" dirty="0"/>
+              <a:t>Problems:</a:t>
+            </a:r>
+            <a:br>
+              <a:rPr lang="en-GB" dirty="0"/>
+            </a:br>
+            <a:r>
+              <a:rPr lang="en-GB" dirty="0"/>
+              <a:t>- Integration and usage of Ogre3D framework</a:t>
+            </a:r>
+          </a:p>
+          <a:p>
+            <a:endParaRPr lang="en-GB" dirty="0"/>
+          </a:p>
+          <a:p>
+            <a:r>
+              <a:rPr lang="en-GB" dirty="0"/>
+              <a:t>Completed tasks:</a:t>
+            </a:r>
+            <a:br>
+              <a:rPr lang="en-GB" dirty="0"/>
+            </a:br>
+            <a:r>
+              <a:rPr lang="en-GB" dirty="0"/>
+              <a:t>- Sphere-sphere collision</a:t>
+            </a:r>
+            <a:br>
+              <a:rPr lang="en-GB" dirty="0"/>
+            </a:br>
+            <a:r>
+              <a:rPr lang="en-GB" dirty="0"/>
+              <a:t>- Sphere-box collision</a:t>
+            </a:r>
+          </a:p>
+          <a:p>
+            <a:endParaRPr lang="en-GB" dirty="0"/>
+          </a:p>
+          <a:p>
+            <a:r>
+              <a:rPr lang="en-GB" dirty="0"/>
+              <a:t>Pending tasks:</a:t>
+            </a:r>
+            <a:br>
+              <a:rPr lang="en-GB" dirty="0"/>
+            </a:br>
+            <a:r>
+              <a:rPr lang="en-GB" dirty="0"/>
+              <a:t>- Visualization</a:t>
+            </a:r>
+            <a:br>
+              <a:rPr lang="en-GB" dirty="0"/>
+            </a:br>
+            <a:r>
+              <a:rPr lang="en-GB" dirty="0"/>
+              <a:t>- Environment interaction</a:t>
+            </a:r>
+            <a:br>
+              <a:rPr lang="en-GB" dirty="0"/>
+            </a:br>
+            <a:r>
+              <a:rPr lang="en-GB" dirty="0"/>
+              <a:t>- Friction</a:t>
+            </a:r>
+          </a:p>
+          <a:p>
+            <a:endParaRPr lang="en-GB" dirty="0"/>
+          </a:p>
+          <a:p>
+            <a:endParaRPr lang="en-GB" dirty="0"/>
+          </a:p>
+        </p:txBody>
+      </p:sp>
+      <p:sp>
+        <p:nvSpPr>
+          <p:cNvPr id="3" name="Datumsplatzhalter 2"/>
+          <p:cNvSpPr>
+            <a:spLocks noGrp="1"/>
+          </p:cNvSpPr>
+          <p:nvPr>
+            <p:ph type="dt" sz="half" idx="10"/>
+          </p:nvPr>
+        </p:nvSpPr>
+        <p:spPr/>
+        <p:txBody>
+          <a:bodyPr/>
+          <a:lstStyle/>
+          <a:p>
+            <a:fld id="{1B448FF2-AE8B-4C5C-B4ED-669BD60D907F}" type="datetime1">
               <a:rPr lang="de-DE" smtClean="0"/>
               <a:t>30.11.2016</a:t>
             </a:fld>
@@ -43708,7 +43052,6 @@
           <a:p>
             <a:fld id="{6C6AE60A-B69C-4790-82F7-3882EDF23186}" type="slidenum">
               <a:rPr lang="en-GB" smtClean="0"/>
-              <a:pPr/>
               <a:t>6</a:t>
             </a:fld>
             <a:endParaRPr lang="en-GB" dirty="0"/>
@@ -43717,7 +43060,7 @@
       </p:sp>
       <p:sp>
         <p:nvSpPr>
-          <p:cNvPr id="10" name="Titel 9"/>
+          <p:cNvPr id="6" name="Titel 5"/>
           <p:cNvSpPr>
             <a:spLocks noGrp="1"/>
           </p:cNvSpPr>
@@ -43732,364 +43075,15 @@
           <a:p>
             <a:r>
               <a:rPr lang="en-GB" dirty="0"/>
-              <a:t>Problems</a:t>
-            </a:r>
-          </a:p>
-        </p:txBody>
-      </p:sp>
-      <p:sp>
-        <p:nvSpPr>
-          <p:cNvPr id="6" name="Inhaltsplatzhalter 5"/>
-          <p:cNvSpPr>
-            <a:spLocks noGrp="1"/>
-          </p:cNvSpPr>
-          <p:nvPr>
-            <p:ph idx="1"/>
-          </p:nvPr>
-        </p:nvSpPr>
-        <p:spPr/>
-        <p:txBody>
-          <a:bodyPr/>
-          <a:lstStyle/>
-          <a:p>
-            <a:r>
-              <a:rPr lang="en-GB" dirty="0"/>
-              <a:t>Integration and usage of Ogre3D framework</a:t>
-            </a:r>
-          </a:p>
-          <a:p>
-            <a:endParaRPr lang="en-GB" dirty="0"/>
+              <a:t>Current status</a:t>
+            </a:r>
           </a:p>
         </p:txBody>
       </p:sp>
     </p:spTree>
     <p:extLst>
       <p:ext uri="{BB962C8B-B14F-4D97-AF65-F5344CB8AC3E}">
-        <p14:creationId xmlns:p14="http://schemas.microsoft.com/office/powerpoint/2010/main" val="395047630"/>
-      </p:ext>
-    </p:extLst>
-  </p:cSld>
-  <p:clrMapOvr>
-    <a:masterClrMapping/>
-  </p:clrMapOvr>
-  <p:transition>
-    <p:fade/>
-  </p:transition>
-</p:sld>
-</file>
-
-<file path=ppt/slides/slide7.xml><?xml version="1.0" encoding="utf-8"?>
-<p:sld xmlns:a="http://schemas.openxmlformats.org/drawingml/2006/main" xmlns:r="http://schemas.openxmlformats.org/officeDocument/2006/relationships" xmlns:p="http://schemas.openxmlformats.org/presentationml/2006/main">
-  <p:cSld>
-    <p:spTree>
-      <p:nvGrpSpPr>
-        <p:cNvPr id="1" name=""/>
-        <p:cNvGrpSpPr/>
-        <p:nvPr/>
-      </p:nvGrpSpPr>
-      <p:grpSpPr>
-        <a:xfrm>
-          <a:off x="0" y="0"/>
-          <a:ext cx="0" cy="0"/>
-          <a:chOff x="0" y="0"/>
-          <a:chExt cx="0" cy="0"/>
-        </a:xfrm>
-      </p:grpSpPr>
-      <p:sp>
-        <p:nvSpPr>
-          <p:cNvPr id="3" name="Datumsplatzhalter 2"/>
-          <p:cNvSpPr>
-            <a:spLocks noGrp="1"/>
-          </p:cNvSpPr>
-          <p:nvPr>
-            <p:ph type="dt" sz="half" idx="10"/>
-          </p:nvPr>
-        </p:nvSpPr>
-        <p:spPr/>
-        <p:txBody>
-          <a:bodyPr/>
-          <a:lstStyle/>
-          <a:p>
-            <a:fld id="{A176412C-F7AA-4787-B85E-A9C8B57F00A8}" type="datetime1">
-              <a:rPr lang="de-DE" smtClean="0"/>
-              <a:t>30.11.2016</a:t>
-            </a:fld>
-            <a:endParaRPr lang="en-GB" dirty="0"/>
-          </a:p>
-        </p:txBody>
-      </p:sp>
-      <p:sp>
-        <p:nvSpPr>
-          <p:cNvPr id="4" name="Fußzeilenplatzhalter 3"/>
-          <p:cNvSpPr>
-            <a:spLocks noGrp="1"/>
-          </p:cNvSpPr>
-          <p:nvPr>
-            <p:ph type="ftr" sz="quarter" idx="11"/>
-          </p:nvPr>
-        </p:nvSpPr>
-        <p:spPr/>
-        <p:txBody>
-          <a:bodyPr/>
-          <a:lstStyle/>
-          <a:p>
-            <a:r>
-              <a:rPr lang="en-GB"/>
-              <a:t>Yannick Huber, Julia Giger, Ueli Wechsler</a:t>
-            </a:r>
-            <a:endParaRPr lang="en-GB" dirty="0"/>
-          </a:p>
-        </p:txBody>
-      </p:sp>
-      <p:sp>
-        <p:nvSpPr>
-          <p:cNvPr id="5" name="Foliennummernplatzhalter 4"/>
-          <p:cNvSpPr>
-            <a:spLocks noGrp="1"/>
-          </p:cNvSpPr>
-          <p:nvPr>
-            <p:ph type="sldNum" sz="quarter" idx="12"/>
-          </p:nvPr>
-        </p:nvSpPr>
-        <p:spPr/>
-        <p:txBody>
-          <a:bodyPr/>
-          <a:lstStyle/>
-          <a:p>
-            <a:fld id="{6C6AE60A-B69C-4790-82F7-3882EDF23186}" type="slidenum">
-              <a:rPr lang="en-GB" smtClean="0"/>
-              <a:pPr/>
-              <a:t>7</a:t>
-            </a:fld>
-            <a:endParaRPr lang="en-GB" dirty="0"/>
-          </a:p>
-        </p:txBody>
-      </p:sp>
-      <p:sp>
-        <p:nvSpPr>
-          <p:cNvPr id="10" name="Titel 9"/>
-          <p:cNvSpPr>
-            <a:spLocks noGrp="1"/>
-          </p:cNvSpPr>
-          <p:nvPr>
-            <p:ph type="title"/>
-          </p:nvPr>
-        </p:nvSpPr>
-        <p:spPr/>
-        <p:txBody>
-          <a:bodyPr/>
-          <a:lstStyle/>
-          <a:p>
-            <a:r>
-              <a:rPr lang="en-GB" dirty="0"/>
-              <a:t>Already done</a:t>
-            </a:r>
-          </a:p>
-        </p:txBody>
-      </p:sp>
-      <p:sp>
-        <p:nvSpPr>
-          <p:cNvPr id="6" name="Inhaltsplatzhalter 5"/>
-          <p:cNvSpPr>
-            <a:spLocks noGrp="1"/>
-          </p:cNvSpPr>
-          <p:nvPr>
-            <p:ph idx="1"/>
-          </p:nvPr>
-        </p:nvSpPr>
-        <p:spPr/>
-        <p:txBody>
-          <a:bodyPr/>
-          <a:lstStyle/>
-          <a:p>
-            <a:r>
-              <a:rPr lang="en-GB" dirty="0"/>
-              <a:t>Sphere-sphere collision</a:t>
-            </a:r>
-          </a:p>
-          <a:p>
-            <a:r>
-              <a:rPr lang="en-GB" dirty="0"/>
-              <a:t>Sphere-box collision</a:t>
-            </a:r>
-          </a:p>
-          <a:p>
-            <a:pPr marL="0" indent="0">
-              <a:buNone/>
-            </a:pPr>
-            <a:endParaRPr lang="en-GB" dirty="0"/>
-          </a:p>
-        </p:txBody>
-      </p:sp>
-    </p:spTree>
-    <p:extLst>
-      <p:ext uri="{BB962C8B-B14F-4D97-AF65-F5344CB8AC3E}">
-        <p14:creationId xmlns:p14="http://schemas.microsoft.com/office/powerpoint/2010/main" val="2031872880"/>
-      </p:ext>
-    </p:extLst>
-  </p:cSld>
-  <p:clrMapOvr>
-    <a:masterClrMapping/>
-  </p:clrMapOvr>
-  <p:transition>
-    <p:fade/>
-  </p:transition>
-</p:sld>
-</file>
-
-<file path=ppt/slides/slide8.xml><?xml version="1.0" encoding="utf-8"?>
-<p:sld xmlns:a="http://schemas.openxmlformats.org/drawingml/2006/main" xmlns:r="http://schemas.openxmlformats.org/officeDocument/2006/relationships" xmlns:p="http://schemas.openxmlformats.org/presentationml/2006/main">
-  <p:cSld>
-    <p:spTree>
-      <p:nvGrpSpPr>
-        <p:cNvPr id="1" name=""/>
-        <p:cNvGrpSpPr/>
-        <p:nvPr/>
-      </p:nvGrpSpPr>
-      <p:grpSpPr>
-        <a:xfrm>
-          <a:off x="0" y="0"/>
-          <a:ext cx="0" cy="0"/>
-          <a:chOff x="0" y="0"/>
-          <a:chExt cx="0" cy="0"/>
-        </a:xfrm>
-      </p:grpSpPr>
-      <p:sp>
-        <p:nvSpPr>
-          <p:cNvPr id="3" name="Datumsplatzhalter 2"/>
-          <p:cNvSpPr>
-            <a:spLocks noGrp="1"/>
-          </p:cNvSpPr>
-          <p:nvPr>
-            <p:ph type="dt" sz="half" idx="10"/>
-          </p:nvPr>
-        </p:nvSpPr>
-        <p:spPr/>
-        <p:txBody>
-          <a:bodyPr/>
-          <a:lstStyle/>
-          <a:p>
-            <a:fld id="{A176412C-F7AA-4787-B85E-A9C8B57F00A8}" type="datetime1">
-              <a:rPr lang="de-DE" smtClean="0"/>
-              <a:t>30.11.2016</a:t>
-            </a:fld>
-            <a:endParaRPr lang="en-GB" dirty="0"/>
-          </a:p>
-        </p:txBody>
-      </p:sp>
-      <p:sp>
-        <p:nvSpPr>
-          <p:cNvPr id="4" name="Fußzeilenplatzhalter 3"/>
-          <p:cNvSpPr>
-            <a:spLocks noGrp="1"/>
-          </p:cNvSpPr>
-          <p:nvPr>
-            <p:ph type="ftr" sz="quarter" idx="11"/>
-          </p:nvPr>
-        </p:nvSpPr>
-        <p:spPr/>
-        <p:txBody>
-          <a:bodyPr/>
-          <a:lstStyle/>
-          <a:p>
-            <a:r>
-              <a:rPr lang="en-GB"/>
-              <a:t>Yannick Huber, Julia Giger, Ueli Wechsler</a:t>
-            </a:r>
-            <a:endParaRPr lang="en-GB" dirty="0"/>
-          </a:p>
-        </p:txBody>
-      </p:sp>
-      <p:sp>
-        <p:nvSpPr>
-          <p:cNvPr id="5" name="Foliennummernplatzhalter 4"/>
-          <p:cNvSpPr>
-            <a:spLocks noGrp="1"/>
-          </p:cNvSpPr>
-          <p:nvPr>
-            <p:ph type="sldNum" sz="quarter" idx="12"/>
-          </p:nvPr>
-        </p:nvSpPr>
-        <p:spPr/>
-        <p:txBody>
-          <a:bodyPr/>
-          <a:lstStyle/>
-          <a:p>
-            <a:fld id="{6C6AE60A-B69C-4790-82F7-3882EDF23186}" type="slidenum">
-              <a:rPr lang="en-GB" smtClean="0"/>
-              <a:pPr/>
-              <a:t>8</a:t>
-            </a:fld>
-            <a:endParaRPr lang="en-GB" dirty="0"/>
-          </a:p>
-        </p:txBody>
-      </p:sp>
-      <p:sp>
-        <p:nvSpPr>
-          <p:cNvPr id="10" name="Titel 9"/>
-          <p:cNvSpPr>
-            <a:spLocks noGrp="1"/>
-          </p:cNvSpPr>
-          <p:nvPr>
-            <p:ph type="title"/>
-          </p:nvPr>
-        </p:nvSpPr>
-        <p:spPr/>
-        <p:txBody>
-          <a:bodyPr/>
-          <a:lstStyle/>
-          <a:p>
-            <a:r>
-              <a:rPr lang="en-GB" dirty="0"/>
-              <a:t>TODO</a:t>
-            </a:r>
-          </a:p>
-        </p:txBody>
-      </p:sp>
-      <p:sp>
-        <p:nvSpPr>
-          <p:cNvPr id="6" name="Inhaltsplatzhalter 5"/>
-          <p:cNvSpPr>
-            <a:spLocks noGrp="1"/>
-          </p:cNvSpPr>
-          <p:nvPr>
-            <p:ph idx="1"/>
-          </p:nvPr>
-        </p:nvSpPr>
-        <p:spPr/>
-        <p:txBody>
-          <a:bodyPr/>
-          <a:lstStyle/>
-          <a:p>
-            <a:r>
-              <a:rPr lang="en-GB" dirty="0"/>
-              <a:t>VISUALIZATION</a:t>
-            </a:r>
-          </a:p>
-          <a:p>
-            <a:r>
-              <a:rPr lang="en-GB" dirty="0"/>
-              <a:t>Environment interaction</a:t>
-            </a:r>
-          </a:p>
-          <a:p>
-            <a:r>
-              <a:rPr lang="en-GB" dirty="0"/>
-              <a:t>Friction</a:t>
-            </a:r>
-          </a:p>
-          <a:p>
-            <a:pPr marL="0" indent="0">
-              <a:buNone/>
-            </a:pPr>
-            <a:endParaRPr lang="en-GB" dirty="0"/>
-          </a:p>
-        </p:txBody>
-      </p:sp>
-    </p:spTree>
-    <p:extLst>
-      <p:ext uri="{BB962C8B-B14F-4D97-AF65-F5344CB8AC3E}">
-        <p14:creationId xmlns:p14="http://schemas.microsoft.com/office/powerpoint/2010/main" val="4224740179"/>
+        <p14:creationId xmlns:p14="http://schemas.microsoft.com/office/powerpoint/2010/main" val="2640355757"/>
       </p:ext>
     </p:extLst>
   </p:cSld>

--- a/project/pbs_project/presentation2.pptx
+++ b/project/pbs_project/presentation2.pptx
@@ -21,9 +21,9 @@
   <p:sldIdLst>
     <p:sldId id="268" r:id="rId10"/>
     <p:sldId id="272" r:id="rId11"/>
-    <p:sldId id="274" r:id="rId12"/>
-    <p:sldId id="276" r:id="rId13"/>
-    <p:sldId id="278" r:id="rId14"/>
+    <p:sldId id="278" r:id="rId12"/>
+    <p:sldId id="274" r:id="rId13"/>
+    <p:sldId id="276" r:id="rId14"/>
     <p:sldId id="280" r:id="rId15"/>
   </p:sldIdLst>
   <p:sldSz cx="12187238" cy="6858000"/>
@@ -784,196 +784,20 @@
           <a:lstStyle/>
           <a:p>
             <a:r>
-              <a:rPr lang="de-CH" sz="1200" kern="1200" dirty="0">
-                <a:solidFill>
-                  <a:schemeClr val="tx1"/>
-                </a:solidFill>
-                <a:latin typeface="Arial" panose="020B0604020202020204" pitchFamily="34" charset="0"/>
-                <a:ea typeface="+mn-ea"/>
-                <a:cs typeface="+mn-cs"/>
-              </a:rPr>
-              <a:t>Iterative Dynamics </a:t>
-            </a:r>
-            <a:r>
-              <a:rPr lang="de-CH" sz="1200" kern="1200" dirty="0" err="1">
-                <a:solidFill>
-                  <a:schemeClr val="tx1"/>
-                </a:solidFill>
-                <a:latin typeface="Arial" panose="020B0604020202020204" pitchFamily="34" charset="0"/>
-                <a:ea typeface="+mn-ea"/>
-                <a:cs typeface="+mn-cs"/>
-              </a:rPr>
-              <a:t>with</a:t>
-            </a:r>
-            <a:r>
-              <a:rPr lang="de-CH" sz="1200" kern="1200" dirty="0">
-                <a:solidFill>
-                  <a:schemeClr val="tx1"/>
-                </a:solidFill>
-                <a:latin typeface="Arial" panose="020B0604020202020204" pitchFamily="34" charset="0"/>
-                <a:ea typeface="+mn-ea"/>
-                <a:cs typeface="+mn-cs"/>
-              </a:rPr>
-              <a:t> Temporal </a:t>
-            </a:r>
-            <a:r>
-              <a:rPr lang="de-CH" sz="1200" kern="1200" dirty="0" err="1">
-                <a:solidFill>
-                  <a:schemeClr val="tx1"/>
-                </a:solidFill>
-                <a:latin typeface="Arial" panose="020B0604020202020204" pitchFamily="34" charset="0"/>
-                <a:ea typeface="+mn-ea"/>
-                <a:cs typeface="+mn-cs"/>
-              </a:rPr>
-              <a:t>Coherence</a:t>
-            </a:r>
-            <a:endParaRPr lang="de-CH" sz="1200" kern="1200" dirty="0">
-              <a:solidFill>
-                <a:schemeClr val="tx1"/>
-              </a:solidFill>
-              <a:latin typeface="Arial" panose="020B0604020202020204" pitchFamily="34" charset="0"/>
-              <a:ea typeface="+mn-ea"/>
-              <a:cs typeface="+mn-cs"/>
-            </a:endParaRPr>
-          </a:p>
-          <a:p>
-            <a:r>
-              <a:rPr lang="de-CH" sz="1200" kern="1200" dirty="0">
-                <a:solidFill>
-                  <a:schemeClr val="tx1"/>
-                </a:solidFill>
-                <a:latin typeface="Arial" panose="020B0604020202020204" pitchFamily="34" charset="0"/>
-                <a:ea typeface="+mn-ea"/>
-                <a:cs typeface="+mn-cs"/>
-              </a:rPr>
-              <a:t>Erin </a:t>
-            </a:r>
-            <a:r>
-              <a:rPr lang="de-CH" sz="1200" kern="1200" dirty="0" err="1">
-                <a:solidFill>
-                  <a:schemeClr val="tx1"/>
-                </a:solidFill>
-                <a:latin typeface="Arial" panose="020B0604020202020204" pitchFamily="34" charset="0"/>
-                <a:ea typeface="+mn-ea"/>
-                <a:cs typeface="+mn-cs"/>
-              </a:rPr>
-              <a:t>Catto</a:t>
-            </a:r>
-            <a:endParaRPr lang="de-CH" sz="1200" kern="1200" dirty="0">
-              <a:solidFill>
-                <a:schemeClr val="tx1"/>
-              </a:solidFill>
-              <a:latin typeface="Arial" panose="020B0604020202020204" pitchFamily="34" charset="0"/>
-              <a:ea typeface="+mn-ea"/>
-              <a:cs typeface="+mn-cs"/>
-            </a:endParaRPr>
-          </a:p>
-          <a:p>
-            <a:r>
-              <a:rPr lang="de-CH" sz="1200" kern="1200" dirty="0">
-                <a:solidFill>
-                  <a:schemeClr val="tx1"/>
-                </a:solidFill>
-                <a:latin typeface="Arial" panose="020B0604020202020204" pitchFamily="34" charset="0"/>
-                <a:ea typeface="+mn-ea"/>
-                <a:cs typeface="+mn-cs"/>
-              </a:rPr>
-              <a:t>Crystal Dynamics</a:t>
-            </a:r>
-          </a:p>
-          <a:p>
-            <a:r>
-              <a:rPr lang="de-CH" sz="1200" kern="1200" dirty="0">
-                <a:solidFill>
-                  <a:schemeClr val="tx1"/>
-                </a:solidFill>
-                <a:latin typeface="Arial" panose="020B0604020202020204" pitchFamily="34" charset="0"/>
-                <a:ea typeface="+mn-ea"/>
-                <a:cs typeface="+mn-cs"/>
-              </a:rPr>
-              <a:t>Menlo Park, California</a:t>
-            </a:r>
-          </a:p>
-          <a:p>
-            <a:r>
-              <a:rPr lang="de-CH" sz="1200" kern="1200" dirty="0" err="1">
-                <a:solidFill>
-                  <a:schemeClr val="tx1"/>
-                </a:solidFill>
-                <a:latin typeface="Arial" panose="020B0604020202020204" pitchFamily="34" charset="0"/>
-                <a:ea typeface="+mn-ea"/>
-                <a:cs typeface="+mn-cs"/>
-              </a:rPr>
-              <a:t>February</a:t>
-            </a:r>
-            <a:r>
-              <a:rPr lang="de-CH" sz="1200" kern="1200" dirty="0">
-                <a:solidFill>
-                  <a:schemeClr val="tx1"/>
-                </a:solidFill>
-                <a:latin typeface="Arial" panose="020B0604020202020204" pitchFamily="34" charset="0"/>
-                <a:ea typeface="+mn-ea"/>
-                <a:cs typeface="+mn-cs"/>
-              </a:rPr>
-              <a:t> 22, 2005</a:t>
-            </a:r>
-          </a:p>
-          <a:p>
-            <a:endParaRPr lang="de-CH" dirty="0"/>
-          </a:p>
-          <a:p>
-            <a:r>
-              <a:rPr lang="de-CH" dirty="0" err="1"/>
-              <a:t>Describe</a:t>
-            </a:r>
-            <a:r>
-              <a:rPr lang="de-CH" dirty="0"/>
-              <a:t> </a:t>
-            </a:r>
-            <a:r>
-              <a:rPr lang="de-CH" dirty="0" err="1"/>
-              <a:t>constraint</a:t>
-            </a:r>
-            <a:endParaRPr lang="de-CH" dirty="0"/>
-          </a:p>
-          <a:p>
-            <a:r>
-              <a:rPr lang="de-CH" dirty="0" err="1"/>
-              <a:t>Calculate</a:t>
-            </a:r>
-            <a:r>
-              <a:rPr lang="de-CH" baseline="0" dirty="0"/>
-              <a:t> derivative </a:t>
-            </a:r>
-          </a:p>
-          <a:p>
-            <a:r>
-              <a:rPr lang="de-CH" baseline="0" dirty="0"/>
-              <a:t>Separate </a:t>
-            </a:r>
-            <a:r>
-              <a:rPr lang="de-CH" baseline="0" dirty="0" err="1"/>
-              <a:t>velocities</a:t>
-            </a:r>
-            <a:r>
-              <a:rPr lang="de-CH" baseline="0" dirty="0"/>
-              <a:t>-&gt;</a:t>
-            </a:r>
-            <a:r>
-              <a:rPr lang="de-CH" baseline="0" dirty="0" err="1"/>
-              <a:t>get</a:t>
-            </a:r>
-            <a:r>
-              <a:rPr lang="de-CH" baseline="0" dirty="0"/>
-              <a:t> </a:t>
-            </a:r>
-            <a:r>
-              <a:rPr lang="de-CH" baseline="0" dirty="0" err="1"/>
-              <a:t>jacobian</a:t>
-            </a:r>
-            <a:endParaRPr lang="de-CH" baseline="0" dirty="0"/>
-          </a:p>
-          <a:p>
+              <a:rPr lang="en-GB" dirty="0"/>
+              <a:t>Hello everybody,</a:t>
+            </a:r>
+            <a:br>
+              <a:rPr lang="en-GB" dirty="0"/>
+            </a:br>
+            <a:r>
+              <a:rPr lang="en-GB" dirty="0"/>
+              <a:t>Welcome</a:t>
+            </a:r>
+            <a:r>
+              <a:rPr lang="en-GB" baseline="0" dirty="0"/>
+              <a:t> to the presentation of our project.</a:t>
+            </a:r>
             <a:endParaRPr lang="en-GB" dirty="0"/>
           </a:p>
         </p:txBody>
@@ -996,7 +820,7 @@
             <a:fld id="{A51C0C35-A9A2-4EFD-9BAF-1E52E29E03D1}" type="slidenum">
               <a:rPr lang="de-CH" smtClean="0"/>
               <a:pPr/>
-              <a:t>4</a:t>
+              <a:t>1</a:t>
             </a:fld>
             <a:endParaRPr lang="de-CH" dirty="0"/>
           </a:p>
@@ -1005,7 +829,7 @@
     </p:spTree>
     <p:extLst>
       <p:ext uri="{BB962C8B-B14F-4D97-AF65-F5344CB8AC3E}">
-        <p14:creationId xmlns:p14="http://schemas.microsoft.com/office/powerpoint/2010/main" val="1388393907"/>
+        <p14:creationId xmlns:p14="http://schemas.microsoft.com/office/powerpoint/2010/main" val="3775090328"/>
       </p:ext>
     </p:extLst>
   </p:cSld>
@@ -1060,6 +884,192 @@
           <a:lstStyle/>
           <a:p>
             <a:r>
+              <a:rPr lang="en-GB" dirty="0"/>
+              <a:t>The goal of our project</a:t>
+            </a:r>
+            <a:r>
+              <a:rPr lang="en-GB" baseline="0" dirty="0"/>
+              <a:t> is to simulate a rollercoaster or a slide, which ends in a pool filled with little balls.</a:t>
+            </a:r>
+            <a:endParaRPr lang="en-GB" dirty="0"/>
+          </a:p>
+        </p:txBody>
+      </p:sp>
+      <p:sp>
+        <p:nvSpPr>
+          <p:cNvPr id="4" name="Foliennummernplatzhalter 3"/>
+          <p:cNvSpPr>
+            <a:spLocks noGrp="1"/>
+          </p:cNvSpPr>
+          <p:nvPr>
+            <p:ph type="sldNum" sz="quarter" idx="10"/>
+          </p:nvPr>
+        </p:nvSpPr>
+        <p:spPr/>
+        <p:txBody>
+          <a:bodyPr/>
+          <a:lstStyle/>
+          <a:p>
+            <a:fld id="{A51C0C35-A9A2-4EFD-9BAF-1E52E29E03D1}" type="slidenum">
+              <a:rPr lang="de-CH" smtClean="0"/>
+              <a:pPr/>
+              <a:t>2</a:t>
+            </a:fld>
+            <a:endParaRPr lang="de-CH" dirty="0"/>
+          </a:p>
+        </p:txBody>
+      </p:sp>
+    </p:spTree>
+    <p:extLst>
+      <p:ext uri="{BB962C8B-B14F-4D97-AF65-F5344CB8AC3E}">
+        <p14:creationId xmlns:p14="http://schemas.microsoft.com/office/powerpoint/2010/main" val="818385731"/>
+      </p:ext>
+    </p:extLst>
+  </p:cSld>
+  <p:clrMapOvr>
+    <a:masterClrMapping/>
+  </p:clrMapOvr>
+</p:notes>
+</file>
+
+<file path=ppt/notesSlides/notesSlide3.xml><?xml version="1.0" encoding="utf-8"?>
+<p:notes xmlns:a="http://schemas.openxmlformats.org/drawingml/2006/main" xmlns:r="http://schemas.openxmlformats.org/officeDocument/2006/relationships" xmlns:p="http://schemas.openxmlformats.org/presentationml/2006/main">
+  <p:cSld>
+    <p:spTree>
+      <p:nvGrpSpPr>
+        <p:cNvPr id="1" name=""/>
+        <p:cNvGrpSpPr/>
+        <p:nvPr/>
+      </p:nvGrpSpPr>
+      <p:grpSpPr>
+        <a:xfrm>
+          <a:off x="0" y="0"/>
+          <a:ext cx="0" cy="0"/>
+          <a:chOff x="0" y="0"/>
+          <a:chExt cx="0" cy="0"/>
+        </a:xfrm>
+      </p:grpSpPr>
+      <p:sp>
+        <p:nvSpPr>
+          <p:cNvPr id="2" name="Folienbildplatzhalter 1"/>
+          <p:cNvSpPr>
+            <a:spLocks noGrp="1" noRot="1" noChangeAspect="1"/>
+          </p:cNvSpPr>
+          <p:nvPr>
+            <p:ph type="sldImg"/>
+          </p:nvPr>
+        </p:nvSpPr>
+        <p:spPr/>
+      </p:sp>
+      <p:sp>
+        <p:nvSpPr>
+          <p:cNvPr id="3" name="Notizenplatzhalter 2"/>
+          <p:cNvSpPr>
+            <a:spLocks noGrp="1"/>
+          </p:cNvSpPr>
+          <p:nvPr>
+            <p:ph type="body" idx="1"/>
+          </p:nvPr>
+        </p:nvSpPr>
+        <p:spPr/>
+        <p:txBody>
+          <a:bodyPr/>
+          <a:lstStyle/>
+          <a:p>
+            <a:r>
+              <a:rPr lang="en-GB" dirty="0"/>
+              <a:t>Here is a Blender</a:t>
+            </a:r>
+            <a:r>
+              <a:rPr lang="en-GB" baseline="0" dirty="0"/>
+              <a:t> model of our scene without the actual physics</a:t>
+            </a:r>
+            <a:endParaRPr lang="en-GB" dirty="0"/>
+          </a:p>
+        </p:txBody>
+      </p:sp>
+      <p:sp>
+        <p:nvSpPr>
+          <p:cNvPr id="4" name="Foliennummernplatzhalter 3"/>
+          <p:cNvSpPr>
+            <a:spLocks noGrp="1"/>
+          </p:cNvSpPr>
+          <p:nvPr>
+            <p:ph type="sldNum" sz="quarter" idx="10"/>
+          </p:nvPr>
+        </p:nvSpPr>
+        <p:spPr/>
+        <p:txBody>
+          <a:bodyPr/>
+          <a:lstStyle/>
+          <a:p>
+            <a:fld id="{A51C0C35-A9A2-4EFD-9BAF-1E52E29E03D1}" type="slidenum">
+              <a:rPr lang="de-CH" smtClean="0"/>
+              <a:pPr/>
+              <a:t>3</a:t>
+            </a:fld>
+            <a:endParaRPr lang="de-CH" dirty="0"/>
+          </a:p>
+        </p:txBody>
+      </p:sp>
+    </p:spTree>
+    <p:extLst>
+      <p:ext uri="{BB962C8B-B14F-4D97-AF65-F5344CB8AC3E}">
+        <p14:creationId xmlns:p14="http://schemas.microsoft.com/office/powerpoint/2010/main" val="362744871"/>
+      </p:ext>
+    </p:extLst>
+  </p:cSld>
+  <p:clrMapOvr>
+    <a:masterClrMapping/>
+  </p:clrMapOvr>
+</p:notes>
+</file>
+
+<file path=ppt/notesSlides/notesSlide4.xml><?xml version="1.0" encoding="utf-8"?>
+<p:notes xmlns:a="http://schemas.openxmlformats.org/drawingml/2006/main" xmlns:r="http://schemas.openxmlformats.org/officeDocument/2006/relationships" xmlns:p="http://schemas.openxmlformats.org/presentationml/2006/main">
+  <p:cSld>
+    <p:spTree>
+      <p:nvGrpSpPr>
+        <p:cNvPr id="1" name=""/>
+        <p:cNvGrpSpPr/>
+        <p:nvPr/>
+      </p:nvGrpSpPr>
+      <p:grpSpPr>
+        <a:xfrm>
+          <a:off x="0" y="0"/>
+          <a:ext cx="0" cy="0"/>
+          <a:chOff x="0" y="0"/>
+          <a:chExt cx="0" cy="0"/>
+        </a:xfrm>
+      </p:grpSpPr>
+      <p:sp>
+        <p:nvSpPr>
+          <p:cNvPr id="2" name="Folienbildplatzhalter 1"/>
+          <p:cNvSpPr>
+            <a:spLocks noGrp="1" noRot="1" noChangeAspect="1"/>
+          </p:cNvSpPr>
+          <p:nvPr>
+            <p:ph type="sldImg"/>
+          </p:nvPr>
+        </p:nvSpPr>
+        <p:spPr/>
+      </p:sp>
+      <p:sp>
+        <p:nvSpPr>
+          <p:cNvPr id="3" name="Notizenplatzhalter 2"/>
+          <p:cNvSpPr>
+            <a:spLocks noGrp="1"/>
+          </p:cNvSpPr>
+          <p:nvPr>
+            <p:ph type="body" idx="1"/>
+          </p:nvPr>
+        </p:nvSpPr>
+        <p:spPr/>
+        <p:txBody>
+          <a:bodyPr/>
+          <a:lstStyle/>
+          <a:p>
+            <a:r>
               <a:rPr lang="de-CH" sz="1200" kern="1200" dirty="0">
                 <a:solidFill>
                   <a:schemeClr val="tx1"/>
@@ -1281,7 +1291,7 @@
     </p:spTree>
     <p:extLst>
       <p:ext uri="{BB962C8B-B14F-4D97-AF65-F5344CB8AC3E}">
-        <p14:creationId xmlns:p14="http://schemas.microsoft.com/office/powerpoint/2010/main" val="362744871"/>
+        <p14:creationId xmlns:p14="http://schemas.microsoft.com/office/powerpoint/2010/main" val="1388393907"/>
       </p:ext>
     </p:extLst>
   </p:cSld>
@@ -42019,7 +42029,7 @@
           </p:nvPr>
         </p:nvPicPr>
         <p:blipFill>
-          <a:blip r:embed="rId2">
+          <a:blip r:embed="rId3">
             <a:extLst>
               <a:ext uri="{28A0092B-C50C-407E-A947-70E740481C1C}">
                 <a14:useLocalDpi xmlns:a14="http://schemas.microsoft.com/office/drawing/2010/main" val="0"/>
@@ -42077,7 +42087,7 @@
           </p:nvPr>
         </p:nvPicPr>
         <p:blipFill rotWithShape="1">
-          <a:blip r:embed="rId2" cstate="print">
+          <a:blip r:embed="rId3" cstate="print">
             <a:extLst>
               <a:ext uri="{28A0092B-C50C-407E-A947-70E740481C1C}">
                 <a14:useLocalDpi xmlns:a14="http://schemas.microsoft.com/office/drawing/2010/main" val="0"/>
@@ -42284,6 +42294,242 @@
               <a:rPr lang="en-GB" smtClean="0"/>
               <a:pPr/>
               <a:t>3</a:t>
+            </a:fld>
+            <a:endParaRPr lang="en-GB" dirty="0"/>
+          </a:p>
+        </p:txBody>
+      </p:sp>
+      <p:sp>
+        <p:nvSpPr>
+          <p:cNvPr id="10" name="Titel 9"/>
+          <p:cNvSpPr>
+            <a:spLocks noGrp="1"/>
+          </p:cNvSpPr>
+          <p:nvPr>
+            <p:ph type="title"/>
+          </p:nvPr>
+        </p:nvSpPr>
+        <p:spPr/>
+        <p:txBody>
+          <a:bodyPr/>
+          <a:lstStyle/>
+          <a:p>
+            <a:r>
+              <a:rPr lang="en-GB" dirty="0"/>
+              <a:t>Blender model</a:t>
+            </a:r>
+          </a:p>
+        </p:txBody>
+      </p:sp>
+      <p:pic>
+        <p:nvPicPr>
+          <p:cNvPr id="6" name="cart_AA0000-0150">
+            <a:hlinkClick r:id="" action="ppaction://media"/>
+          </p:cNvPr>
+          <p:cNvPicPr>
+            <a:picLocks noGrp="1" noChangeAspect="1"/>
+          </p:cNvPicPr>
+          <p:nvPr>
+            <p:ph idx="1"/>
+            <a:videoFile r:link="rId2"/>
+            <p:extLst>
+              <p:ext uri="{DAA4B4D4-6D71-4841-9C94-3DE7FCFB9230}">
+                <p14:media xmlns:p14="http://schemas.microsoft.com/office/powerpoint/2010/main" r:embed="rId1"/>
+              </p:ext>
+            </p:extLst>
+          </p:nvPr>
+        </p:nvPicPr>
+        <p:blipFill>
+          <a:blip r:embed="rId5"/>
+          <a:stretch>
+            <a:fillRect/>
+          </a:stretch>
+        </p:blipFill>
+        <p:spPr>
+          <a:xfrm>
+            <a:off x="1601788" y="2024063"/>
+            <a:ext cx="8980487" cy="4210050"/>
+          </a:xfrm>
+        </p:spPr>
+      </p:pic>
+    </p:spTree>
+    <p:extLst>
+      <p:ext uri="{BB962C8B-B14F-4D97-AF65-F5344CB8AC3E}">
+        <p14:creationId xmlns:p14="http://schemas.microsoft.com/office/powerpoint/2010/main" val="3504663116"/>
+      </p:ext>
+    </p:extLst>
+  </p:cSld>
+  <p:clrMapOvr>
+    <a:masterClrMapping/>
+  </p:clrMapOvr>
+  <p:transition>
+    <p:fade/>
+  </p:transition>
+  <p:timing>
+    <p:tnLst>
+      <p:par>
+        <p:cTn id="1" dur="indefinite" restart="never" nodeType="tmRoot">
+          <p:childTnLst>
+            <p:seq concurrent="1" nextAc="seek">
+              <p:cTn id="2" restart="whenNotActive" fill="hold" evtFilter="cancelBubble" nodeType="interactiveSeq">
+                <p:stCondLst>
+                  <p:cond evt="onClick" delay="0">
+                    <p:tgtEl>
+                      <p:spTgt spid="6"/>
+                    </p:tgtEl>
+                  </p:cond>
+                </p:stCondLst>
+                <p:endSync evt="end" delay="0">
+                  <p:rtn val="all"/>
+                </p:endSync>
+                <p:childTnLst>
+                  <p:par>
+                    <p:cTn id="3" fill="hold">
+                      <p:stCondLst>
+                        <p:cond delay="0"/>
+                      </p:stCondLst>
+                      <p:childTnLst>
+                        <p:par>
+                          <p:cTn id="4" fill="hold">
+                            <p:stCondLst>
+                              <p:cond delay="0"/>
+                            </p:stCondLst>
+                            <p:childTnLst>
+                              <p:par>
+                                <p:cTn id="5" presetID="2" presetClass="mediacall" presetSubtype="0" fill="hold" nodeType="clickEffect">
+                                  <p:stCondLst>
+                                    <p:cond delay="0"/>
+                                  </p:stCondLst>
+                                  <p:childTnLst>
+                                    <p:cmd type="call" cmd="togglePause">
+                                      <p:cBhvr>
+                                        <p:cTn id="6" dur="1" fill="hold"/>
+                                        <p:tgtEl>
+                                          <p:spTgt spid="6"/>
+                                        </p:tgtEl>
+                                      </p:cBhvr>
+                                    </p:cmd>
+                                  </p:childTnLst>
+                                </p:cTn>
+                              </p:par>
+                            </p:childTnLst>
+                          </p:cTn>
+                        </p:par>
+                      </p:childTnLst>
+                    </p:cTn>
+                  </p:par>
+                </p:childTnLst>
+              </p:cTn>
+              <p:nextCondLst>
+                <p:cond evt="onClick" delay="0">
+                  <p:tgtEl>
+                    <p:spTgt spid="6"/>
+                  </p:tgtEl>
+                </p:cond>
+              </p:nextCondLst>
+            </p:seq>
+            <p:video>
+              <p:cMediaNode vol="80000">
+                <p:cTn id="7" fill="hold" display="0">
+                  <p:stCondLst>
+                    <p:cond delay="indefinite"/>
+                  </p:stCondLst>
+                </p:cTn>
+                <p:tgtEl>
+                  <p:spTgt spid="6"/>
+                </p:tgtEl>
+              </p:cMediaNode>
+            </p:video>
+          </p:childTnLst>
+        </p:cTn>
+      </p:par>
+    </p:tnLst>
+  </p:timing>
+</p:sld>
+</file>
+
+<file path=ppt/slides/slide4.xml><?xml version="1.0" encoding="utf-8"?>
+<p:sld xmlns:a="http://schemas.openxmlformats.org/drawingml/2006/main" xmlns:r="http://schemas.openxmlformats.org/officeDocument/2006/relationships" xmlns:p="http://schemas.openxmlformats.org/presentationml/2006/main">
+  <p:cSld>
+    <p:spTree>
+      <p:nvGrpSpPr>
+        <p:cNvPr id="1" name=""/>
+        <p:cNvGrpSpPr/>
+        <p:nvPr/>
+      </p:nvGrpSpPr>
+      <p:grpSpPr>
+        <a:xfrm>
+          <a:off x="0" y="0"/>
+          <a:ext cx="0" cy="0"/>
+          <a:chOff x="0" y="0"/>
+          <a:chExt cx="0" cy="0"/>
+        </a:xfrm>
+      </p:grpSpPr>
+      <p:sp>
+        <p:nvSpPr>
+          <p:cNvPr id="3" name="Datumsplatzhalter 2"/>
+          <p:cNvSpPr>
+            <a:spLocks noGrp="1"/>
+          </p:cNvSpPr>
+          <p:nvPr>
+            <p:ph type="dt" sz="half" idx="10"/>
+          </p:nvPr>
+        </p:nvSpPr>
+        <p:spPr/>
+        <p:txBody>
+          <a:bodyPr/>
+          <a:lstStyle/>
+          <a:p>
+            <a:fld id="{A176412C-F7AA-4787-B85E-A9C8B57F00A8}" type="datetime1">
+              <a:rPr lang="de-DE" smtClean="0"/>
+              <a:t>30.11.2016</a:t>
+            </a:fld>
+            <a:endParaRPr lang="en-GB" dirty="0"/>
+          </a:p>
+        </p:txBody>
+      </p:sp>
+      <p:sp>
+        <p:nvSpPr>
+          <p:cNvPr id="4" name="Fußzeilenplatzhalter 3"/>
+          <p:cNvSpPr>
+            <a:spLocks noGrp="1"/>
+          </p:cNvSpPr>
+          <p:nvPr>
+            <p:ph type="ftr" sz="quarter" idx="11"/>
+          </p:nvPr>
+        </p:nvSpPr>
+        <p:spPr/>
+        <p:txBody>
+          <a:bodyPr/>
+          <a:lstStyle/>
+          <a:p>
+            <a:r>
+              <a:rPr lang="en-GB"/>
+              <a:t>Yannick Huber, Julia Giger, Ueli Wechsler</a:t>
+            </a:r>
+            <a:endParaRPr lang="en-GB" dirty="0"/>
+          </a:p>
+        </p:txBody>
+      </p:sp>
+      <p:sp>
+        <p:nvSpPr>
+          <p:cNvPr id="5" name="Foliennummernplatzhalter 4"/>
+          <p:cNvSpPr>
+            <a:spLocks noGrp="1"/>
+          </p:cNvSpPr>
+          <p:nvPr>
+            <p:ph type="sldNum" sz="quarter" idx="12"/>
+          </p:nvPr>
+        </p:nvSpPr>
+        <p:spPr/>
+        <p:txBody>
+          <a:bodyPr/>
+          <a:lstStyle/>
+          <a:p>
+            <a:fld id="{6C6AE60A-B69C-4790-82F7-3882EDF23186}" type="slidenum">
+              <a:rPr lang="en-GB" smtClean="0"/>
+              <a:pPr/>
+              <a:t>4</a:t>
             </a:fld>
             <a:endParaRPr lang="en-GB" dirty="0"/>
           </a:p>
@@ -42395,7 +42641,7 @@
 </p:sld>
 </file>
 
-<file path=ppt/slides/slide4.xml><?xml version="1.0" encoding="utf-8"?>
+<file path=ppt/slides/slide5.xml><?xml version="1.0" encoding="utf-8"?>
 <p:sld xmlns:a="http://schemas.openxmlformats.org/drawingml/2006/main" xmlns:r="http://schemas.openxmlformats.org/officeDocument/2006/relationships" xmlns:p="http://schemas.openxmlformats.org/presentationml/2006/main">
   <p:cSld>
     <p:spTree>
@@ -42476,7 +42722,7 @@
             <a:fld id="{6C6AE60A-B69C-4790-82F7-3882EDF23186}" type="slidenum">
               <a:rPr lang="en-GB" smtClean="0"/>
               <a:pPr/>
-              <a:t>4</a:t>
+              <a:t>5</a:t>
             </a:fld>
             <a:endParaRPr lang="en-GB" dirty="0"/>
           </a:p>
@@ -42645,242 +42891,6 @@
   <p:transition>
     <p:fade/>
   </p:transition>
-</p:sld>
-</file>
-
-<file path=ppt/slides/slide5.xml><?xml version="1.0" encoding="utf-8"?>
-<p:sld xmlns:a="http://schemas.openxmlformats.org/drawingml/2006/main" xmlns:r="http://schemas.openxmlformats.org/officeDocument/2006/relationships" xmlns:p="http://schemas.openxmlformats.org/presentationml/2006/main">
-  <p:cSld>
-    <p:spTree>
-      <p:nvGrpSpPr>
-        <p:cNvPr id="1" name=""/>
-        <p:cNvGrpSpPr/>
-        <p:nvPr/>
-      </p:nvGrpSpPr>
-      <p:grpSpPr>
-        <a:xfrm>
-          <a:off x="0" y="0"/>
-          <a:ext cx="0" cy="0"/>
-          <a:chOff x="0" y="0"/>
-          <a:chExt cx="0" cy="0"/>
-        </a:xfrm>
-      </p:grpSpPr>
-      <p:sp>
-        <p:nvSpPr>
-          <p:cNvPr id="3" name="Datumsplatzhalter 2"/>
-          <p:cNvSpPr>
-            <a:spLocks noGrp="1"/>
-          </p:cNvSpPr>
-          <p:nvPr>
-            <p:ph type="dt" sz="half" idx="10"/>
-          </p:nvPr>
-        </p:nvSpPr>
-        <p:spPr/>
-        <p:txBody>
-          <a:bodyPr/>
-          <a:lstStyle/>
-          <a:p>
-            <a:fld id="{A176412C-F7AA-4787-B85E-A9C8B57F00A8}" type="datetime1">
-              <a:rPr lang="de-DE" smtClean="0"/>
-              <a:t>30.11.2016</a:t>
-            </a:fld>
-            <a:endParaRPr lang="en-GB" dirty="0"/>
-          </a:p>
-        </p:txBody>
-      </p:sp>
-      <p:sp>
-        <p:nvSpPr>
-          <p:cNvPr id="4" name="Fußzeilenplatzhalter 3"/>
-          <p:cNvSpPr>
-            <a:spLocks noGrp="1"/>
-          </p:cNvSpPr>
-          <p:nvPr>
-            <p:ph type="ftr" sz="quarter" idx="11"/>
-          </p:nvPr>
-        </p:nvSpPr>
-        <p:spPr/>
-        <p:txBody>
-          <a:bodyPr/>
-          <a:lstStyle/>
-          <a:p>
-            <a:r>
-              <a:rPr lang="en-GB"/>
-              <a:t>Yannick Huber, Julia Giger, Ueli Wechsler</a:t>
-            </a:r>
-            <a:endParaRPr lang="en-GB" dirty="0"/>
-          </a:p>
-        </p:txBody>
-      </p:sp>
-      <p:sp>
-        <p:nvSpPr>
-          <p:cNvPr id="5" name="Foliennummernplatzhalter 4"/>
-          <p:cNvSpPr>
-            <a:spLocks noGrp="1"/>
-          </p:cNvSpPr>
-          <p:nvPr>
-            <p:ph type="sldNum" sz="quarter" idx="12"/>
-          </p:nvPr>
-        </p:nvSpPr>
-        <p:spPr/>
-        <p:txBody>
-          <a:bodyPr/>
-          <a:lstStyle/>
-          <a:p>
-            <a:fld id="{6C6AE60A-B69C-4790-82F7-3882EDF23186}" type="slidenum">
-              <a:rPr lang="en-GB" smtClean="0"/>
-              <a:pPr/>
-              <a:t>5</a:t>
-            </a:fld>
-            <a:endParaRPr lang="en-GB" dirty="0"/>
-          </a:p>
-        </p:txBody>
-      </p:sp>
-      <p:sp>
-        <p:nvSpPr>
-          <p:cNvPr id="10" name="Titel 9"/>
-          <p:cNvSpPr>
-            <a:spLocks noGrp="1"/>
-          </p:cNvSpPr>
-          <p:nvPr>
-            <p:ph type="title"/>
-          </p:nvPr>
-        </p:nvSpPr>
-        <p:spPr/>
-        <p:txBody>
-          <a:bodyPr/>
-          <a:lstStyle/>
-          <a:p>
-            <a:r>
-              <a:rPr lang="en-GB" dirty="0"/>
-              <a:t>Blender model</a:t>
-            </a:r>
-          </a:p>
-        </p:txBody>
-      </p:sp>
-      <p:pic>
-        <p:nvPicPr>
-          <p:cNvPr id="6" name="cart_AA0000-0150">
-            <a:hlinkClick r:id="" action="ppaction://media"/>
-          </p:cNvPr>
-          <p:cNvPicPr>
-            <a:picLocks noGrp="1" noChangeAspect="1"/>
-          </p:cNvPicPr>
-          <p:nvPr>
-            <p:ph idx="1"/>
-            <a:videoFile r:link="rId2"/>
-            <p:extLst>
-              <p:ext uri="{DAA4B4D4-6D71-4841-9C94-3DE7FCFB9230}">
-                <p14:media xmlns:p14="http://schemas.microsoft.com/office/powerpoint/2010/main" r:embed="rId1"/>
-              </p:ext>
-            </p:extLst>
-          </p:nvPr>
-        </p:nvPicPr>
-        <p:blipFill>
-          <a:blip r:embed="rId5"/>
-          <a:stretch>
-            <a:fillRect/>
-          </a:stretch>
-        </p:blipFill>
-        <p:spPr>
-          <a:xfrm>
-            <a:off x="1601788" y="2024063"/>
-            <a:ext cx="8980487" cy="4210050"/>
-          </a:xfrm>
-        </p:spPr>
-      </p:pic>
-    </p:spTree>
-    <p:extLst>
-      <p:ext uri="{BB962C8B-B14F-4D97-AF65-F5344CB8AC3E}">
-        <p14:creationId xmlns:p14="http://schemas.microsoft.com/office/powerpoint/2010/main" val="3504663116"/>
-      </p:ext>
-    </p:extLst>
-  </p:cSld>
-  <p:clrMapOvr>
-    <a:masterClrMapping/>
-  </p:clrMapOvr>
-  <p:transition>
-    <p:fade/>
-  </p:transition>
-  <p:timing>
-    <p:tnLst>
-      <p:par>
-        <p:cTn id="1" dur="indefinite" restart="never" nodeType="tmRoot">
-          <p:childTnLst>
-            <p:seq concurrent="1" nextAc="seek">
-              <p:cTn id="2" restart="whenNotActive" fill="hold" evtFilter="cancelBubble" nodeType="interactiveSeq">
-                <p:stCondLst>
-                  <p:cond evt="onClick" delay="0">
-                    <p:tgtEl>
-                      <p:spTgt spid="6"/>
-                    </p:tgtEl>
-                  </p:cond>
-                </p:stCondLst>
-                <p:endSync evt="end" delay="0">
-                  <p:rtn val="all"/>
-                </p:endSync>
-                <p:childTnLst>
-                  <p:par>
-                    <p:cTn id="3" fill="hold">
-                      <p:stCondLst>
-                        <p:cond delay="0"/>
-                      </p:stCondLst>
-                      <p:childTnLst>
-                        <p:par>
-                          <p:cTn id="4" fill="hold">
-                            <p:stCondLst>
-                              <p:cond delay="0"/>
-                            </p:stCondLst>
-                            <p:childTnLst>
-                              <p:par>
-                                <p:cTn id="5" presetID="2" presetClass="mediacall" presetSubtype="0" fill="hold" nodeType="clickEffect">
-                                  <p:stCondLst>
-                                    <p:cond delay="0"/>
-                                  </p:stCondLst>
-                                  <p:childTnLst>
-                                    <p:cmd type="call" cmd="togglePause">
-                                      <p:cBhvr>
-                                        <p:cTn id="6" dur="1" fill="hold"/>
-                                        <p:tgtEl>
-                                          <p:spTgt spid="6"/>
-                                        </p:tgtEl>
-                                      </p:cBhvr>
-                                    </p:cmd>
-                                  </p:childTnLst>
-                                </p:cTn>
-                              </p:par>
-                            </p:childTnLst>
-                          </p:cTn>
-                        </p:par>
-                      </p:childTnLst>
-                    </p:cTn>
-                  </p:par>
-                </p:childTnLst>
-              </p:cTn>
-              <p:nextCondLst>
-                <p:cond evt="onClick" delay="0">
-                  <p:tgtEl>
-                    <p:spTgt spid="6"/>
-                  </p:tgtEl>
-                </p:cond>
-              </p:nextCondLst>
-            </p:seq>
-            <p:video>
-              <p:cMediaNode vol="80000">
-                <p:cTn id="7" fill="hold" display="0">
-                  <p:stCondLst>
-                    <p:cond delay="indefinite"/>
-                  </p:stCondLst>
-                </p:cTn>
-                <p:tgtEl>
-                  <p:spTgt spid="6"/>
-                </p:tgtEl>
-              </p:cMediaNode>
-            </p:video>
-          </p:childTnLst>
-        </p:cTn>
-      </p:par>
-    </p:tnLst>
-  </p:timing>
 </p:sld>
 </file>
 
